--- a/Kanta/kalawat/Gugmang Way Sukod.pptx
+++ b/Kanta/kalawat/Gugmang Way Sukod.pptx
@@ -273,7 +273,7 @@
           <a:p>
             <a:fld id="{689CB065-93CC-4F93-97CB-5160E2F98F73}" type="datetimeFigureOut">
               <a:rPr lang="en-US" smtClean="0"/>
-              <a:t>4/12/2025</a:t>
+              <a:t>1/6/2026</a:t>
             </a:fld>
             <a:endParaRPr lang="en-US"/>
           </a:p>
@@ -471,7 +471,7 @@
           <a:p>
             <a:fld id="{689CB065-93CC-4F93-97CB-5160E2F98F73}" type="datetimeFigureOut">
               <a:rPr lang="en-US" smtClean="0"/>
-              <a:t>4/12/2025</a:t>
+              <a:t>1/6/2026</a:t>
             </a:fld>
             <a:endParaRPr lang="en-US"/>
           </a:p>
@@ -679,7 +679,7 @@
           <a:p>
             <a:fld id="{689CB065-93CC-4F93-97CB-5160E2F98F73}" type="datetimeFigureOut">
               <a:rPr lang="en-US" smtClean="0"/>
-              <a:t>4/12/2025</a:t>
+              <a:t>1/6/2026</a:t>
             </a:fld>
             <a:endParaRPr lang="en-US"/>
           </a:p>
@@ -877,7 +877,7 @@
           <a:p>
             <a:fld id="{689CB065-93CC-4F93-97CB-5160E2F98F73}" type="datetimeFigureOut">
               <a:rPr lang="en-US" smtClean="0"/>
-              <a:t>4/12/2025</a:t>
+              <a:t>1/6/2026</a:t>
             </a:fld>
             <a:endParaRPr lang="en-US"/>
           </a:p>
@@ -1152,7 +1152,7 @@
           <a:p>
             <a:fld id="{689CB065-93CC-4F93-97CB-5160E2F98F73}" type="datetimeFigureOut">
               <a:rPr lang="en-US" smtClean="0"/>
-              <a:t>4/12/2025</a:t>
+              <a:t>1/6/2026</a:t>
             </a:fld>
             <a:endParaRPr lang="en-US"/>
           </a:p>
@@ -1417,7 +1417,7 @@
           <a:p>
             <a:fld id="{689CB065-93CC-4F93-97CB-5160E2F98F73}" type="datetimeFigureOut">
               <a:rPr lang="en-US" smtClean="0"/>
-              <a:t>4/12/2025</a:t>
+              <a:t>1/6/2026</a:t>
             </a:fld>
             <a:endParaRPr lang="en-US"/>
           </a:p>
@@ -1829,7 +1829,7 @@
           <a:p>
             <a:fld id="{689CB065-93CC-4F93-97CB-5160E2F98F73}" type="datetimeFigureOut">
               <a:rPr lang="en-US" smtClean="0"/>
-              <a:t>4/12/2025</a:t>
+              <a:t>1/6/2026</a:t>
             </a:fld>
             <a:endParaRPr lang="en-US"/>
           </a:p>
@@ -1970,7 +1970,7 @@
           <a:p>
             <a:fld id="{689CB065-93CC-4F93-97CB-5160E2F98F73}" type="datetimeFigureOut">
               <a:rPr lang="en-US" smtClean="0"/>
-              <a:t>4/12/2025</a:t>
+              <a:t>1/6/2026</a:t>
             </a:fld>
             <a:endParaRPr lang="en-US"/>
           </a:p>
@@ -2083,7 +2083,7 @@
           <a:p>
             <a:fld id="{689CB065-93CC-4F93-97CB-5160E2F98F73}" type="datetimeFigureOut">
               <a:rPr lang="en-US" smtClean="0"/>
-              <a:t>4/12/2025</a:t>
+              <a:t>1/6/2026</a:t>
             </a:fld>
             <a:endParaRPr lang="en-US"/>
           </a:p>
@@ -2394,7 +2394,7 @@
           <a:p>
             <a:fld id="{689CB065-93CC-4F93-97CB-5160E2F98F73}" type="datetimeFigureOut">
               <a:rPr lang="en-US" smtClean="0"/>
-              <a:t>4/12/2025</a:t>
+              <a:t>1/6/2026</a:t>
             </a:fld>
             <a:endParaRPr lang="en-US"/>
           </a:p>
@@ -2682,7 +2682,7 @@
           <a:p>
             <a:fld id="{689CB065-93CC-4F93-97CB-5160E2F98F73}" type="datetimeFigureOut">
               <a:rPr lang="en-US" smtClean="0"/>
-              <a:t>4/12/2025</a:t>
+              <a:t>1/6/2026</a:t>
             </a:fld>
             <a:endParaRPr lang="en-US"/>
           </a:p>
@@ -2926,7 +2926,7 @@
           <a:p>
             <a:fld id="{689CB065-93CC-4F93-97CB-5160E2F98F73}" type="datetimeFigureOut">
               <a:rPr lang="en-US" smtClean="0"/>
-              <a:t>4/12/2025</a:t>
+              <a:t>1/6/2026</a:t>
             </a:fld>
             <a:endParaRPr lang="en-US"/>
           </a:p>

--- a/Kanta/kalawat/Gugmang Way Sukod.pptx
+++ b/Kanta/kalawat/Gugmang Way Sukod.pptx
@@ -6,20 +6,19 @@
   </p:sldMasterIdLst>
   <p:sldIdLst>
     <p:sldId id="370" r:id="rId2"/>
-    <p:sldId id="256" r:id="rId3"/>
-    <p:sldId id="354" r:id="rId4"/>
-    <p:sldId id="356" r:id="rId5"/>
-    <p:sldId id="357" r:id="rId6"/>
-    <p:sldId id="358" r:id="rId7"/>
-    <p:sldId id="362" r:id="rId8"/>
-    <p:sldId id="359" r:id="rId9"/>
-    <p:sldId id="360" r:id="rId10"/>
-    <p:sldId id="361" r:id="rId11"/>
-    <p:sldId id="363" r:id="rId12"/>
-    <p:sldId id="364" r:id="rId13"/>
-    <p:sldId id="368" r:id="rId14"/>
-    <p:sldId id="369" r:id="rId15"/>
-    <p:sldId id="367" r:id="rId16"/>
+    <p:sldId id="354" r:id="rId3"/>
+    <p:sldId id="356" r:id="rId4"/>
+    <p:sldId id="357" r:id="rId5"/>
+    <p:sldId id="358" r:id="rId6"/>
+    <p:sldId id="362" r:id="rId7"/>
+    <p:sldId id="359" r:id="rId8"/>
+    <p:sldId id="360" r:id="rId9"/>
+    <p:sldId id="361" r:id="rId10"/>
+    <p:sldId id="363" r:id="rId11"/>
+    <p:sldId id="364" r:id="rId12"/>
+    <p:sldId id="368" r:id="rId13"/>
+    <p:sldId id="369" r:id="rId14"/>
+    <p:sldId id="367" r:id="rId15"/>
   </p:sldIdLst>
   <p:sldSz cx="12192000" cy="6858000"/>
   <p:notesSz cx="6858000" cy="9144000"/>
@@ -273,7 +272,7 @@
           <a:p>
             <a:fld id="{689CB065-93CC-4F93-97CB-5160E2F98F73}" type="datetimeFigureOut">
               <a:rPr lang="en-US" smtClean="0"/>
-              <a:t>1/6/2026</a:t>
+              <a:t>2/15/2026</a:t>
             </a:fld>
             <a:endParaRPr lang="en-US"/>
           </a:p>
@@ -471,7 +470,7 @@
           <a:p>
             <a:fld id="{689CB065-93CC-4F93-97CB-5160E2F98F73}" type="datetimeFigureOut">
               <a:rPr lang="en-US" smtClean="0"/>
-              <a:t>1/6/2026</a:t>
+              <a:t>2/15/2026</a:t>
             </a:fld>
             <a:endParaRPr lang="en-US"/>
           </a:p>
@@ -679,7 +678,7 @@
           <a:p>
             <a:fld id="{689CB065-93CC-4F93-97CB-5160E2F98F73}" type="datetimeFigureOut">
               <a:rPr lang="en-US" smtClean="0"/>
-              <a:t>1/6/2026</a:t>
+              <a:t>2/15/2026</a:t>
             </a:fld>
             <a:endParaRPr lang="en-US"/>
           </a:p>
@@ -877,7 +876,7 @@
           <a:p>
             <a:fld id="{689CB065-93CC-4F93-97CB-5160E2F98F73}" type="datetimeFigureOut">
               <a:rPr lang="en-US" smtClean="0"/>
-              <a:t>1/6/2026</a:t>
+              <a:t>2/15/2026</a:t>
             </a:fld>
             <a:endParaRPr lang="en-US"/>
           </a:p>
@@ -1152,7 +1151,7 @@
           <a:p>
             <a:fld id="{689CB065-93CC-4F93-97CB-5160E2F98F73}" type="datetimeFigureOut">
               <a:rPr lang="en-US" smtClean="0"/>
-              <a:t>1/6/2026</a:t>
+              <a:t>2/15/2026</a:t>
             </a:fld>
             <a:endParaRPr lang="en-US"/>
           </a:p>
@@ -1417,7 +1416,7 @@
           <a:p>
             <a:fld id="{689CB065-93CC-4F93-97CB-5160E2F98F73}" type="datetimeFigureOut">
               <a:rPr lang="en-US" smtClean="0"/>
-              <a:t>1/6/2026</a:t>
+              <a:t>2/15/2026</a:t>
             </a:fld>
             <a:endParaRPr lang="en-US"/>
           </a:p>
@@ -1829,7 +1828,7 @@
           <a:p>
             <a:fld id="{689CB065-93CC-4F93-97CB-5160E2F98F73}" type="datetimeFigureOut">
               <a:rPr lang="en-US" smtClean="0"/>
-              <a:t>1/6/2026</a:t>
+              <a:t>2/15/2026</a:t>
             </a:fld>
             <a:endParaRPr lang="en-US"/>
           </a:p>
@@ -1970,7 +1969,7 @@
           <a:p>
             <a:fld id="{689CB065-93CC-4F93-97CB-5160E2F98F73}" type="datetimeFigureOut">
               <a:rPr lang="en-US" smtClean="0"/>
-              <a:t>1/6/2026</a:t>
+              <a:t>2/15/2026</a:t>
             </a:fld>
             <a:endParaRPr lang="en-US"/>
           </a:p>
@@ -2083,7 +2082,7 @@
           <a:p>
             <a:fld id="{689CB065-93CC-4F93-97CB-5160E2F98F73}" type="datetimeFigureOut">
               <a:rPr lang="en-US" smtClean="0"/>
-              <a:t>1/6/2026</a:t>
+              <a:t>2/15/2026</a:t>
             </a:fld>
             <a:endParaRPr lang="en-US"/>
           </a:p>
@@ -2394,7 +2393,7 @@
           <a:p>
             <a:fld id="{689CB065-93CC-4F93-97CB-5160E2F98F73}" type="datetimeFigureOut">
               <a:rPr lang="en-US" smtClean="0"/>
-              <a:t>1/6/2026</a:t>
+              <a:t>2/15/2026</a:t>
             </a:fld>
             <a:endParaRPr lang="en-US"/>
           </a:p>
@@ -2682,7 +2681,7 @@
           <a:p>
             <a:fld id="{689CB065-93CC-4F93-97CB-5160E2F98F73}" type="datetimeFigureOut">
               <a:rPr lang="en-US" smtClean="0"/>
-              <a:t>1/6/2026</a:t>
+              <a:t>2/15/2026</a:t>
             </a:fld>
             <a:endParaRPr lang="en-US"/>
           </a:p>
@@ -2926,7 +2925,7 @@
           <a:p>
             <a:fld id="{689CB065-93CC-4F93-97CB-5160E2F98F73}" type="datetimeFigureOut">
               <a:rPr lang="en-US" smtClean="0"/>
-              <a:t>1/6/2026</a:t>
+              <a:t>2/15/2026</a:t>
             </a:fld>
             <a:endParaRPr lang="en-US"/>
           </a:p>
@@ -3514,13 +3513,27 @@
                 <a:latin typeface="Times New Roman" panose="02020603050405020304" pitchFamily="18" charset="0"/>
                 <a:cs typeface="Times New Roman" panose="02020603050405020304" pitchFamily="18" charset="0"/>
               </a:rPr>
-              <a:t>Maghigugmaay</a:t>
+              <a:t>Pinaagi</a:t>
             </a:r>
             <a:r>
               <a:rPr lang="en-ID" sz="11500" dirty="0">
                 <a:latin typeface="Times New Roman" panose="02020603050405020304" pitchFamily="18" charset="0"/>
                 <a:cs typeface="Times New Roman" panose="02020603050405020304" pitchFamily="18" charset="0"/>
               </a:rPr>
+              <a:t> Sa </a:t>
+            </a:r>
+            <a:r>
+              <a:rPr lang="en-ID" sz="11500" dirty="0" err="1">
+                <a:latin typeface="Times New Roman" panose="02020603050405020304" pitchFamily="18" charset="0"/>
+                <a:cs typeface="Times New Roman" panose="02020603050405020304" pitchFamily="18" charset="0"/>
+              </a:rPr>
+              <a:t>Imong</a:t>
+            </a:r>
+            <a:r>
+              <a:rPr lang="en-ID" sz="11500" dirty="0">
+                <a:latin typeface="Times New Roman" panose="02020603050405020304" pitchFamily="18" charset="0"/>
+                <a:cs typeface="Times New Roman" panose="02020603050405020304" pitchFamily="18" charset="0"/>
+              </a:rPr>
               <a:t> </a:t>
             </a:r>
             <a:r>
@@ -3528,63 +3541,24 @@
                 <a:latin typeface="Times New Roman" panose="02020603050405020304" pitchFamily="18" charset="0"/>
                 <a:cs typeface="Times New Roman" panose="02020603050405020304" pitchFamily="18" charset="0"/>
               </a:rPr>
-              <a:t>Kitang</a:t>
+              <a:t>Pagkabanhaw</a:t>
             </a:r>
             <a:r>
               <a:rPr lang="en-ID" sz="11500" dirty="0">
                 <a:latin typeface="Times New Roman" panose="02020603050405020304" pitchFamily="18" charset="0"/>
                 <a:cs typeface="Times New Roman" panose="02020603050405020304" pitchFamily="18" charset="0"/>
               </a:rPr>
-              <a:t> </a:t>
-            </a:r>
-            <a:r>
-              <a:rPr lang="en-ID" sz="11500" dirty="0" err="1">
-                <a:latin typeface="Times New Roman" panose="02020603050405020304" pitchFamily="18" charset="0"/>
-                <a:cs typeface="Times New Roman" panose="02020603050405020304" pitchFamily="18" charset="0"/>
-              </a:rPr>
-              <a:t>Tanan</a:t>
-            </a:r>
-            <a:r>
-              <a:rPr lang="en-ID" sz="11500" dirty="0">
-                <a:latin typeface="Times New Roman" panose="02020603050405020304" pitchFamily="18" charset="0"/>
-                <a:cs typeface="Times New Roman" panose="02020603050405020304" pitchFamily="18" charset="0"/>
-              </a:rPr>
-              <a:t>, </a:t>
-            </a:r>
-            <a:r>
-              <a:rPr lang="en-ID" sz="11500" dirty="0" err="1">
-                <a:latin typeface="Times New Roman" panose="02020603050405020304" pitchFamily="18" charset="0"/>
-                <a:cs typeface="Times New Roman" panose="02020603050405020304" pitchFamily="18" charset="0"/>
-              </a:rPr>
-              <a:t>Imong</a:t>
-            </a:r>
-            <a:r>
-              <a:rPr lang="en-ID" sz="11500" dirty="0">
-                <a:latin typeface="Times New Roman" panose="02020603050405020304" pitchFamily="18" charset="0"/>
-                <a:cs typeface="Times New Roman" panose="02020603050405020304" pitchFamily="18" charset="0"/>
-              </a:rPr>
-              <a:t> </a:t>
-            </a:r>
-            <a:r>
-              <a:rPr lang="en-ID" sz="11500" dirty="0" err="1">
-                <a:latin typeface="Times New Roman" panose="02020603050405020304" pitchFamily="18" charset="0"/>
-                <a:cs typeface="Times New Roman" panose="02020603050405020304" pitchFamily="18" charset="0"/>
-              </a:rPr>
-              <a:t>Gihiusa</a:t>
-            </a:r>
-            <a:r>
-              <a:rPr lang="en-ID" sz="11500" dirty="0">
-                <a:latin typeface="Times New Roman" panose="02020603050405020304" pitchFamily="18" charset="0"/>
-                <a:cs typeface="Times New Roman" panose="02020603050405020304" pitchFamily="18" charset="0"/>
-              </a:rPr>
-              <a:t> Ang </a:t>
-            </a:r>
-            <a:r>
-              <a:rPr lang="en-ID" sz="11500" dirty="0" err="1">
-                <a:latin typeface="Times New Roman" panose="02020603050405020304" pitchFamily="18" charset="0"/>
-                <a:cs typeface="Times New Roman" panose="02020603050405020304" pitchFamily="18" charset="0"/>
-              </a:rPr>
-              <a:t>Kalibutan</a:t>
+              <a:t>.</a:t>
+            </a:r>
+          </a:p>
+          <a:p>
+            <a:pPr algn="ctr"/>
+            <a:r>
+              <a:rPr lang="sv-SE" sz="11500" dirty="0">
+                <a:latin typeface="Times New Roman" panose="02020603050405020304" pitchFamily="18" charset="0"/>
+                <a:cs typeface="Times New Roman" panose="02020603050405020304" pitchFamily="18" charset="0"/>
+              </a:rPr>
+              <a:t>Salamat sa imong gugma </a:t>
             </a:r>
             <a:endParaRPr lang="en-ID" sz="11500" dirty="0">
               <a:latin typeface="Times New Roman" panose="02020603050405020304" pitchFamily="18" charset="0"/>
@@ -3596,7 +3570,7 @@
     </p:spTree>
     <p:extLst>
       <p:ext uri="{BB962C8B-B14F-4D97-AF65-F5344CB8AC3E}">
-        <p14:creationId xmlns:p14="http://schemas.microsoft.com/office/powerpoint/2010/main" val="3829664489"/>
+        <p14:creationId xmlns:p14="http://schemas.microsoft.com/office/powerpoint/2010/main" val="3957469916"/>
       </p:ext>
     </p:extLst>
   </p:cSld>
@@ -3674,58 +3648,13 @@
           <a:p>
             <a:pPr algn="ctr"/>
             <a:r>
-              <a:rPr lang="en-ID" sz="11500" dirty="0" err="1">
-                <a:latin typeface="Times New Roman" panose="02020603050405020304" pitchFamily="18" charset="0"/>
-                <a:cs typeface="Times New Roman" panose="02020603050405020304" pitchFamily="18" charset="0"/>
-              </a:rPr>
-              <a:t>Pinaagi</a:t>
-            </a:r>
-            <a:r>
-              <a:rPr lang="en-ID" sz="11500" dirty="0">
-                <a:latin typeface="Times New Roman" panose="02020603050405020304" pitchFamily="18" charset="0"/>
-                <a:cs typeface="Times New Roman" panose="02020603050405020304" pitchFamily="18" charset="0"/>
-              </a:rPr>
-              <a:t> Sa </a:t>
-            </a:r>
-            <a:r>
-              <a:rPr lang="en-ID" sz="11500" dirty="0" err="1">
-                <a:latin typeface="Times New Roman" panose="02020603050405020304" pitchFamily="18" charset="0"/>
-                <a:cs typeface="Times New Roman" panose="02020603050405020304" pitchFamily="18" charset="0"/>
-              </a:rPr>
-              <a:t>Imong</a:t>
-            </a:r>
-            <a:r>
-              <a:rPr lang="en-ID" sz="11500" dirty="0">
-                <a:latin typeface="Times New Roman" panose="02020603050405020304" pitchFamily="18" charset="0"/>
-                <a:cs typeface="Times New Roman" panose="02020603050405020304" pitchFamily="18" charset="0"/>
-              </a:rPr>
-              <a:t> </a:t>
-            </a:r>
-            <a:r>
-              <a:rPr lang="en-ID" sz="11500" dirty="0" err="1">
-                <a:latin typeface="Times New Roman" panose="02020603050405020304" pitchFamily="18" charset="0"/>
-                <a:cs typeface="Times New Roman" panose="02020603050405020304" pitchFamily="18" charset="0"/>
-              </a:rPr>
-              <a:t>Pagkabanhaw</a:t>
-            </a:r>
-            <a:r>
-              <a:rPr lang="en-ID" sz="11500" dirty="0">
-                <a:latin typeface="Times New Roman" panose="02020603050405020304" pitchFamily="18" charset="0"/>
-                <a:cs typeface="Times New Roman" panose="02020603050405020304" pitchFamily="18" charset="0"/>
-              </a:rPr>
-              <a:t>.</a:t>
-            </a:r>
-          </a:p>
-          <a:p>
-            <a:pPr algn="ctr"/>
-            <a:r>
-              <a:rPr lang="sv-SE" sz="11500" dirty="0">
-                <a:latin typeface="Times New Roman" panose="02020603050405020304" pitchFamily="18" charset="0"/>
-                <a:cs typeface="Times New Roman" panose="02020603050405020304" pitchFamily="18" charset="0"/>
-              </a:rPr>
-              <a:t>Salamat sa imong gugma </a:t>
-            </a:r>
-            <a:endParaRPr lang="en-ID" sz="11500" dirty="0">
+              <a:rPr lang="sv-SE" sz="12000" dirty="0">
+                <a:latin typeface="Times New Roman" panose="02020603050405020304" pitchFamily="18" charset="0"/>
+                <a:cs typeface="Times New Roman" panose="02020603050405020304" pitchFamily="18" charset="0"/>
+              </a:rPr>
+              <a:t>Sa Kasing-kasing Patuhupa Ipaambit Ta Sa Kalibutan</a:t>
+            </a:r>
+            <a:endParaRPr lang="en-ID" sz="12000" dirty="0">
               <a:latin typeface="Times New Roman" panose="02020603050405020304" pitchFamily="18" charset="0"/>
               <a:cs typeface="Times New Roman" panose="02020603050405020304" pitchFamily="18" charset="0"/>
             </a:endParaRPr>
@@ -3735,7 +3664,7 @@
     </p:spTree>
     <p:extLst>
       <p:ext uri="{BB962C8B-B14F-4D97-AF65-F5344CB8AC3E}">
-        <p14:creationId xmlns:p14="http://schemas.microsoft.com/office/powerpoint/2010/main" val="3957469916"/>
+        <p14:creationId xmlns:p14="http://schemas.microsoft.com/office/powerpoint/2010/main" val="1548684989"/>
       </p:ext>
     </p:extLst>
   </p:cSld>
@@ -3813,13 +3742,83 @@
           <a:p>
             <a:pPr algn="ctr"/>
             <a:r>
-              <a:rPr lang="sv-SE" sz="12000" dirty="0">
-                <a:latin typeface="Times New Roman" panose="02020603050405020304" pitchFamily="18" charset="0"/>
-                <a:cs typeface="Times New Roman" panose="02020603050405020304" pitchFamily="18" charset="0"/>
-              </a:rPr>
-              <a:t>Sa Kasing-kasing Patuhupa Ipaambit Ta Sa Kalibutan</a:t>
-            </a:r>
-            <a:endParaRPr lang="en-ID" sz="12000" dirty="0">
+              <a:rPr lang="en-ID" sz="11500" dirty="0" err="1">
+                <a:latin typeface="Times New Roman" panose="02020603050405020304" pitchFamily="18" charset="0"/>
+                <a:cs typeface="Times New Roman" panose="02020603050405020304" pitchFamily="18" charset="0"/>
+              </a:rPr>
+              <a:t>Maghigugmaay</a:t>
+            </a:r>
+            <a:r>
+              <a:rPr lang="en-ID" sz="11500" dirty="0">
+                <a:latin typeface="Times New Roman" panose="02020603050405020304" pitchFamily="18" charset="0"/>
+                <a:cs typeface="Times New Roman" panose="02020603050405020304" pitchFamily="18" charset="0"/>
+              </a:rPr>
+              <a:t> </a:t>
+            </a:r>
+            <a:r>
+              <a:rPr lang="en-ID" sz="11500" dirty="0" err="1">
+                <a:latin typeface="Times New Roman" panose="02020603050405020304" pitchFamily="18" charset="0"/>
+                <a:cs typeface="Times New Roman" panose="02020603050405020304" pitchFamily="18" charset="0"/>
+              </a:rPr>
+              <a:t>Kitang</a:t>
+            </a:r>
+            <a:r>
+              <a:rPr lang="en-ID" sz="11500" dirty="0">
+                <a:latin typeface="Times New Roman" panose="02020603050405020304" pitchFamily="18" charset="0"/>
+                <a:cs typeface="Times New Roman" panose="02020603050405020304" pitchFamily="18" charset="0"/>
+              </a:rPr>
+              <a:t> </a:t>
+            </a:r>
+            <a:r>
+              <a:rPr lang="en-ID" sz="11500" dirty="0" err="1">
+                <a:latin typeface="Times New Roman" panose="02020603050405020304" pitchFamily="18" charset="0"/>
+                <a:cs typeface="Times New Roman" panose="02020603050405020304" pitchFamily="18" charset="0"/>
+              </a:rPr>
+              <a:t>Tanan</a:t>
+            </a:r>
+            <a:r>
+              <a:rPr lang="en-ID" sz="11500" dirty="0">
+                <a:latin typeface="Times New Roman" panose="02020603050405020304" pitchFamily="18" charset="0"/>
+                <a:cs typeface="Times New Roman" panose="02020603050405020304" pitchFamily="18" charset="0"/>
+              </a:rPr>
+              <a:t>, </a:t>
+            </a:r>
+            <a:r>
+              <a:rPr lang="en-ID" sz="11500" dirty="0" err="1">
+                <a:latin typeface="Times New Roman" panose="02020603050405020304" pitchFamily="18" charset="0"/>
+                <a:cs typeface="Times New Roman" panose="02020603050405020304" pitchFamily="18" charset="0"/>
+              </a:rPr>
+              <a:t>Imong</a:t>
+            </a:r>
+            <a:r>
+              <a:rPr lang="en-ID" sz="11500" dirty="0">
+                <a:latin typeface="Times New Roman" panose="02020603050405020304" pitchFamily="18" charset="0"/>
+                <a:cs typeface="Times New Roman" panose="02020603050405020304" pitchFamily="18" charset="0"/>
+              </a:rPr>
+              <a:t> </a:t>
+            </a:r>
+            <a:r>
+              <a:rPr lang="en-ID" sz="11500" dirty="0" err="1">
+                <a:latin typeface="Times New Roman" panose="02020603050405020304" pitchFamily="18" charset="0"/>
+                <a:cs typeface="Times New Roman" panose="02020603050405020304" pitchFamily="18" charset="0"/>
+              </a:rPr>
+              <a:t>Gihiusa</a:t>
+            </a:r>
+            <a:r>
+              <a:rPr lang="en-ID" sz="11500" dirty="0">
+                <a:latin typeface="Times New Roman" panose="02020603050405020304" pitchFamily="18" charset="0"/>
+                <a:cs typeface="Times New Roman" panose="02020603050405020304" pitchFamily="18" charset="0"/>
+              </a:rPr>
+              <a:t> Ang </a:t>
+            </a:r>
+            <a:r>
+              <a:rPr lang="en-ID" sz="11500" dirty="0" err="1">
+                <a:latin typeface="Times New Roman" panose="02020603050405020304" pitchFamily="18" charset="0"/>
+                <a:cs typeface="Times New Roman" panose="02020603050405020304" pitchFamily="18" charset="0"/>
+              </a:rPr>
+              <a:t>Kalibutan</a:t>
+            </a:r>
+            <a:endParaRPr lang="en-ID" sz="11500" dirty="0">
               <a:latin typeface="Times New Roman" panose="02020603050405020304" pitchFamily="18" charset="0"/>
               <a:cs typeface="Times New Roman" panose="02020603050405020304" pitchFamily="18" charset="0"/>
             </a:endParaRPr>
@@ -3829,7 +3828,7 @@
     </p:spTree>
     <p:extLst>
       <p:ext uri="{BB962C8B-B14F-4D97-AF65-F5344CB8AC3E}">
-        <p14:creationId xmlns:p14="http://schemas.microsoft.com/office/powerpoint/2010/main" val="1548684989"/>
+        <p14:creationId xmlns:p14="http://schemas.microsoft.com/office/powerpoint/2010/main" val="399774766"/>
       </p:ext>
     </p:extLst>
   </p:cSld>
@@ -3911,13 +3910,27 @@
                 <a:latin typeface="Times New Roman" panose="02020603050405020304" pitchFamily="18" charset="0"/>
                 <a:cs typeface="Times New Roman" panose="02020603050405020304" pitchFamily="18" charset="0"/>
               </a:rPr>
-              <a:t>Maghigugmaay</a:t>
+              <a:t>Pinaagi</a:t>
             </a:r>
             <a:r>
               <a:rPr lang="en-ID" sz="11500" dirty="0">
                 <a:latin typeface="Times New Roman" panose="02020603050405020304" pitchFamily="18" charset="0"/>
                 <a:cs typeface="Times New Roman" panose="02020603050405020304" pitchFamily="18" charset="0"/>
               </a:rPr>
+              <a:t> Sa </a:t>
+            </a:r>
+            <a:r>
+              <a:rPr lang="en-ID" sz="11500" dirty="0" err="1">
+                <a:latin typeface="Times New Roman" panose="02020603050405020304" pitchFamily="18" charset="0"/>
+                <a:cs typeface="Times New Roman" panose="02020603050405020304" pitchFamily="18" charset="0"/>
+              </a:rPr>
+              <a:t>Imong</a:t>
+            </a:r>
+            <a:r>
+              <a:rPr lang="en-ID" sz="11500" dirty="0">
+                <a:latin typeface="Times New Roman" panose="02020603050405020304" pitchFamily="18" charset="0"/>
+                <a:cs typeface="Times New Roman" panose="02020603050405020304" pitchFamily="18" charset="0"/>
+              </a:rPr>
               <a:t> </a:t>
             </a:r>
             <a:r>
@@ -3925,75 +3938,22 @@
                 <a:latin typeface="Times New Roman" panose="02020603050405020304" pitchFamily="18" charset="0"/>
                 <a:cs typeface="Times New Roman" panose="02020603050405020304" pitchFamily="18" charset="0"/>
               </a:rPr>
-              <a:t>Kitang</a:t>
+              <a:t>Pagkabanhaw</a:t>
             </a:r>
             <a:r>
               <a:rPr lang="en-ID" sz="11500" dirty="0">
                 <a:latin typeface="Times New Roman" panose="02020603050405020304" pitchFamily="18" charset="0"/>
                 <a:cs typeface="Times New Roman" panose="02020603050405020304" pitchFamily="18" charset="0"/>
               </a:rPr>
-              <a:t> </a:t>
-            </a:r>
-            <a:r>
-              <a:rPr lang="en-ID" sz="11500" dirty="0" err="1">
-                <a:latin typeface="Times New Roman" panose="02020603050405020304" pitchFamily="18" charset="0"/>
-                <a:cs typeface="Times New Roman" panose="02020603050405020304" pitchFamily="18" charset="0"/>
-              </a:rPr>
-              <a:t>Tanan</a:t>
-            </a:r>
-            <a:r>
-              <a:rPr lang="en-ID" sz="11500" dirty="0">
-                <a:latin typeface="Times New Roman" panose="02020603050405020304" pitchFamily="18" charset="0"/>
-                <a:cs typeface="Times New Roman" panose="02020603050405020304" pitchFamily="18" charset="0"/>
-              </a:rPr>
-              <a:t>, </a:t>
-            </a:r>
-            <a:r>
-              <a:rPr lang="en-ID" sz="11500" dirty="0" err="1">
-                <a:latin typeface="Times New Roman" panose="02020603050405020304" pitchFamily="18" charset="0"/>
-                <a:cs typeface="Times New Roman" panose="02020603050405020304" pitchFamily="18" charset="0"/>
-              </a:rPr>
-              <a:t>Imong</a:t>
-            </a:r>
-            <a:r>
-              <a:rPr lang="en-ID" sz="11500" dirty="0">
-                <a:latin typeface="Times New Roman" panose="02020603050405020304" pitchFamily="18" charset="0"/>
-                <a:cs typeface="Times New Roman" panose="02020603050405020304" pitchFamily="18" charset="0"/>
-              </a:rPr>
-              <a:t> </a:t>
-            </a:r>
-            <a:r>
-              <a:rPr lang="en-ID" sz="11500" dirty="0" err="1">
-                <a:latin typeface="Times New Roman" panose="02020603050405020304" pitchFamily="18" charset="0"/>
-                <a:cs typeface="Times New Roman" panose="02020603050405020304" pitchFamily="18" charset="0"/>
-              </a:rPr>
-              <a:t>Gihiusa</a:t>
-            </a:r>
-            <a:r>
-              <a:rPr lang="en-ID" sz="11500" dirty="0">
-                <a:latin typeface="Times New Roman" panose="02020603050405020304" pitchFamily="18" charset="0"/>
-                <a:cs typeface="Times New Roman" panose="02020603050405020304" pitchFamily="18" charset="0"/>
-              </a:rPr>
-              <a:t> Ang </a:t>
-            </a:r>
-            <a:r>
-              <a:rPr lang="en-ID" sz="11500" dirty="0" err="1">
-                <a:latin typeface="Times New Roman" panose="02020603050405020304" pitchFamily="18" charset="0"/>
-                <a:cs typeface="Times New Roman" panose="02020603050405020304" pitchFamily="18" charset="0"/>
-              </a:rPr>
-              <a:t>Kalibutan</a:t>
-            </a:r>
-            <a:endParaRPr lang="en-ID" sz="11500" dirty="0">
-              <a:latin typeface="Times New Roman" panose="02020603050405020304" pitchFamily="18" charset="0"/>
-              <a:cs typeface="Times New Roman" panose="02020603050405020304" pitchFamily="18" charset="0"/>
-            </a:endParaRPr>
+              <a:t>.</a:t>
+            </a:r>
           </a:p>
         </p:txBody>
       </p:sp>
     </p:spTree>
     <p:extLst>
       <p:ext uri="{BB962C8B-B14F-4D97-AF65-F5344CB8AC3E}">
-        <p14:creationId xmlns:p14="http://schemas.microsoft.com/office/powerpoint/2010/main" val="399774766"/>
+        <p14:creationId xmlns:p14="http://schemas.microsoft.com/office/powerpoint/2010/main" val="3602435141"/>
       </p:ext>
     </p:extLst>
   </p:cSld>
@@ -4022,10 +3982,10 @@
       </p:grpSpPr>
       <p:sp>
         <p:nvSpPr>
-          <p:cNvPr id="8" name="Rectangle 7">
-            <a:extLst>
-              <a:ext uri="{FF2B5EF4-FFF2-40B4-BE49-F238E27FC236}">
-                <a16:creationId xmlns:a16="http://schemas.microsoft.com/office/drawing/2014/main" id="{F2D4EDD6-DCB2-420C-ACFA-D33CC2ACEAE1}"/>
+          <p:cNvPr id="4" name="Rectangle 3">
+            <a:extLst>
+              <a:ext uri="{FF2B5EF4-FFF2-40B4-BE49-F238E27FC236}">
+                <a16:creationId xmlns:a16="http://schemas.microsoft.com/office/drawing/2014/main" id="{B6420977-8535-4F96-ABE2-E59CB7CA07C6}"/>
               </a:ext>
             </a:extLst>
           </p:cNvPr>
@@ -4071,42 +4031,84 @@
           <a:p>
             <a:pPr algn="ctr"/>
             <a:r>
-              <a:rPr lang="en-ID" sz="11500" dirty="0" err="1">
+              <a:rPr lang="en-ID" sz="12000" dirty="0" err="1">
+                <a:latin typeface="Times New Roman" panose="02020603050405020304" pitchFamily="18" charset="0"/>
+                <a:cs typeface="Times New Roman" panose="02020603050405020304" pitchFamily="18" charset="0"/>
+              </a:rPr>
+              <a:t>Imong</a:t>
+            </a:r>
+            <a:r>
+              <a:rPr lang="en-ID" sz="12000" dirty="0">
+                <a:latin typeface="Times New Roman" panose="02020603050405020304" pitchFamily="18" charset="0"/>
+                <a:cs typeface="Times New Roman" panose="02020603050405020304" pitchFamily="18" charset="0"/>
+              </a:rPr>
+              <a:t> </a:t>
+            </a:r>
+            <a:r>
+              <a:rPr lang="en-ID" sz="12000" dirty="0" err="1">
+                <a:latin typeface="Times New Roman" panose="02020603050405020304" pitchFamily="18" charset="0"/>
+                <a:cs typeface="Times New Roman" panose="02020603050405020304" pitchFamily="18" charset="0"/>
+              </a:rPr>
+              <a:t>Gihiusa</a:t>
+            </a:r>
+            <a:r>
+              <a:rPr lang="en-ID" sz="12000" dirty="0">
+                <a:latin typeface="Times New Roman" panose="02020603050405020304" pitchFamily="18" charset="0"/>
+                <a:cs typeface="Times New Roman" panose="02020603050405020304" pitchFamily="18" charset="0"/>
+              </a:rPr>
+              <a:t> Ang </a:t>
+            </a:r>
+            <a:r>
+              <a:rPr lang="en-ID" sz="12000" dirty="0" err="1">
+                <a:latin typeface="Times New Roman" panose="02020603050405020304" pitchFamily="18" charset="0"/>
+                <a:cs typeface="Times New Roman" panose="02020603050405020304" pitchFamily="18" charset="0"/>
+              </a:rPr>
+              <a:t>Kalibutan</a:t>
+            </a:r>
+            <a:r>
+              <a:rPr lang="en-ID" sz="12000" dirty="0">
+                <a:latin typeface="Times New Roman" panose="02020603050405020304" pitchFamily="18" charset="0"/>
+                <a:cs typeface="Times New Roman" panose="02020603050405020304" pitchFamily="18" charset="0"/>
+              </a:rPr>
+              <a:t> </a:t>
+            </a:r>
+            <a:r>
+              <a:rPr lang="en-ID" sz="12000" dirty="0" err="1">
                 <a:latin typeface="Times New Roman" panose="02020603050405020304" pitchFamily="18" charset="0"/>
                 <a:cs typeface="Times New Roman" panose="02020603050405020304" pitchFamily="18" charset="0"/>
               </a:rPr>
               <a:t>Pinaagi</a:t>
             </a:r>
             <a:r>
-              <a:rPr lang="en-ID" sz="11500" dirty="0">
+              <a:rPr lang="en-ID" sz="12000" dirty="0">
                 <a:latin typeface="Times New Roman" panose="02020603050405020304" pitchFamily="18" charset="0"/>
                 <a:cs typeface="Times New Roman" panose="02020603050405020304" pitchFamily="18" charset="0"/>
               </a:rPr>
               <a:t> Sa </a:t>
             </a:r>
             <a:r>
-              <a:rPr lang="en-ID" sz="11500" dirty="0" err="1">
+              <a:rPr lang="en-ID" sz="12000" dirty="0" err="1">
                 <a:latin typeface="Times New Roman" panose="02020603050405020304" pitchFamily="18" charset="0"/>
                 <a:cs typeface="Times New Roman" panose="02020603050405020304" pitchFamily="18" charset="0"/>
               </a:rPr>
               <a:t>Imong</a:t>
             </a:r>
             <a:r>
-              <a:rPr lang="en-ID" sz="11500" dirty="0">
+              <a:rPr lang="en-ID" sz="12000" dirty="0">
                 <a:latin typeface="Times New Roman" panose="02020603050405020304" pitchFamily="18" charset="0"/>
                 <a:cs typeface="Times New Roman" panose="02020603050405020304" pitchFamily="18" charset="0"/>
               </a:rPr>
               <a:t> </a:t>
             </a:r>
             <a:r>
-              <a:rPr lang="en-ID" sz="11500" dirty="0" err="1">
+              <a:rPr lang="en-ID" sz="12000" dirty="0" err="1">
                 <a:latin typeface="Times New Roman" panose="02020603050405020304" pitchFamily="18" charset="0"/>
                 <a:cs typeface="Times New Roman" panose="02020603050405020304" pitchFamily="18" charset="0"/>
               </a:rPr>
               <a:t>Pagkabanhaw</a:t>
             </a:r>
             <a:r>
-              <a:rPr lang="en-ID" sz="11500" dirty="0">
+              <a:rPr lang="en-ID" sz="12000" dirty="0">
                 <a:latin typeface="Times New Roman" panose="02020603050405020304" pitchFamily="18" charset="0"/>
                 <a:cs typeface="Times New Roman" panose="02020603050405020304" pitchFamily="18" charset="0"/>
               </a:rPr>
@@ -4118,7 +4120,7 @@
     </p:spTree>
     <p:extLst>
       <p:ext uri="{BB962C8B-B14F-4D97-AF65-F5344CB8AC3E}">
-        <p14:creationId xmlns:p14="http://schemas.microsoft.com/office/powerpoint/2010/main" val="3602435141"/>
+        <p14:creationId xmlns:p14="http://schemas.microsoft.com/office/powerpoint/2010/main" val="3092291076"/>
       </p:ext>
     </p:extLst>
   </p:cSld>
@@ -4128,7 +4130,7 @@
 </p:sld>
 </file>
 
-<file path=ppt/slides/slide15.xml><?xml version="1.0" encoding="utf-8"?>
+<file path=ppt/slides/slide2.xml><?xml version="1.0" encoding="utf-8"?>
 <p:sld xmlns:a="http://schemas.openxmlformats.org/drawingml/2006/main" xmlns:r="http://schemas.openxmlformats.org/officeDocument/2006/relationships" xmlns:p="http://schemas.openxmlformats.org/presentationml/2006/main">
   <p:cSld>
     <p:spTree>
@@ -4147,10 +4149,10 @@
       </p:grpSpPr>
       <p:sp>
         <p:nvSpPr>
-          <p:cNvPr id="4" name="Rectangle 3">
-            <a:extLst>
-              <a:ext uri="{FF2B5EF4-FFF2-40B4-BE49-F238E27FC236}">
-                <a16:creationId xmlns:a16="http://schemas.microsoft.com/office/drawing/2014/main" id="{B6420977-8535-4F96-ABE2-E59CB7CA07C6}"/>
+          <p:cNvPr id="8" name="Rectangle 7">
+            <a:extLst>
+              <a:ext uri="{FF2B5EF4-FFF2-40B4-BE49-F238E27FC236}">
+                <a16:creationId xmlns:a16="http://schemas.microsoft.com/office/drawing/2014/main" id="{F2D4EDD6-DCB2-420C-ACFA-D33CC2ACEAE1}"/>
               </a:ext>
             </a:extLst>
           </p:cNvPr>
@@ -4196,84 +4198,77 @@
           <a:p>
             <a:pPr algn="ctr"/>
             <a:r>
-              <a:rPr lang="en-ID" sz="12000" dirty="0" err="1">
-                <a:latin typeface="Times New Roman" panose="02020603050405020304" pitchFamily="18" charset="0"/>
-                <a:cs typeface="Times New Roman" panose="02020603050405020304" pitchFamily="18" charset="0"/>
-              </a:rPr>
-              <a:t>Imong</a:t>
-            </a:r>
-            <a:r>
-              <a:rPr lang="en-ID" sz="12000" dirty="0">
+              <a:rPr lang="en-ID" sz="11500" dirty="0">
+                <a:latin typeface="Times New Roman" panose="02020603050405020304" pitchFamily="18" charset="0"/>
+                <a:cs typeface="Times New Roman" panose="02020603050405020304" pitchFamily="18" charset="0"/>
+              </a:rPr>
+              <a:t>Ang </a:t>
+            </a:r>
+            <a:r>
+              <a:rPr lang="en-ID" sz="11500" dirty="0" err="1">
+                <a:latin typeface="Times New Roman" panose="02020603050405020304" pitchFamily="18" charset="0"/>
+                <a:cs typeface="Times New Roman" panose="02020603050405020304" pitchFamily="18" charset="0"/>
+              </a:rPr>
+              <a:t>Gugma</a:t>
+            </a:r>
+            <a:r>
+              <a:rPr lang="en-ID" sz="11500" dirty="0">
+                <a:latin typeface="Times New Roman" panose="02020603050405020304" pitchFamily="18" charset="0"/>
+                <a:cs typeface="Times New Roman" panose="02020603050405020304" pitchFamily="18" charset="0"/>
+              </a:rPr>
+              <a:t> Mo O </a:t>
+            </a:r>
+            <a:r>
+              <a:rPr lang="en-ID" sz="11500" dirty="0" err="1">
+                <a:latin typeface="Times New Roman" panose="02020603050405020304" pitchFamily="18" charset="0"/>
+                <a:cs typeface="Times New Roman" panose="02020603050405020304" pitchFamily="18" charset="0"/>
+              </a:rPr>
+              <a:t>Ginoo</a:t>
+            </a:r>
+            <a:r>
+              <a:rPr lang="en-ID" sz="11500" dirty="0">
+                <a:latin typeface="Times New Roman" panose="02020603050405020304" pitchFamily="18" charset="0"/>
+                <a:cs typeface="Times New Roman" panose="02020603050405020304" pitchFamily="18" charset="0"/>
+              </a:rPr>
+              <a:t>, </a:t>
+            </a:r>
+            <a:r>
+              <a:rPr lang="en-ID" sz="11500" dirty="0" err="1">
+                <a:latin typeface="Times New Roman" panose="02020603050405020304" pitchFamily="18" charset="0"/>
+                <a:cs typeface="Times New Roman" panose="02020603050405020304" pitchFamily="18" charset="0"/>
+              </a:rPr>
+              <a:t>Gugma</a:t>
+            </a:r>
+            <a:r>
+              <a:rPr lang="en-ID" sz="11500" dirty="0">
+                <a:latin typeface="Times New Roman" panose="02020603050405020304" pitchFamily="18" charset="0"/>
+                <a:cs typeface="Times New Roman" panose="02020603050405020304" pitchFamily="18" charset="0"/>
+              </a:rPr>
+              <a:t> Nga </a:t>
+            </a:r>
+            <a:r>
+              <a:rPr lang="en-ID" sz="11500" dirty="0" err="1">
+                <a:latin typeface="Times New Roman" panose="02020603050405020304" pitchFamily="18" charset="0"/>
+                <a:cs typeface="Times New Roman" panose="02020603050405020304" pitchFamily="18" charset="0"/>
+              </a:rPr>
+              <a:t>Walay</a:t>
+            </a:r>
+            <a:r>
+              <a:rPr lang="en-ID" sz="11500" dirty="0">
                 <a:latin typeface="Times New Roman" panose="02020603050405020304" pitchFamily="18" charset="0"/>
                 <a:cs typeface="Times New Roman" panose="02020603050405020304" pitchFamily="18" charset="0"/>
               </a:rPr>
               <a:t> </a:t>
             </a:r>
             <a:r>
-              <a:rPr lang="en-ID" sz="12000" dirty="0" err="1">
-                <a:latin typeface="Times New Roman" panose="02020603050405020304" pitchFamily="18" charset="0"/>
-                <a:cs typeface="Times New Roman" panose="02020603050405020304" pitchFamily="18" charset="0"/>
-              </a:rPr>
-              <a:t>Gihiusa</a:t>
-            </a:r>
-            <a:r>
-              <a:rPr lang="en-ID" sz="12000" dirty="0">
-                <a:latin typeface="Times New Roman" panose="02020603050405020304" pitchFamily="18" charset="0"/>
-                <a:cs typeface="Times New Roman" panose="02020603050405020304" pitchFamily="18" charset="0"/>
-              </a:rPr>
-              <a:t> Ang </a:t>
-            </a:r>
-            <a:r>
-              <a:rPr lang="en-ID" sz="12000" dirty="0" err="1">
-                <a:latin typeface="Times New Roman" panose="02020603050405020304" pitchFamily="18" charset="0"/>
-                <a:cs typeface="Times New Roman" panose="02020603050405020304" pitchFamily="18" charset="0"/>
-              </a:rPr>
-              <a:t>Kalibutan</a:t>
-            </a:r>
-            <a:r>
-              <a:rPr lang="en-ID" sz="12000" dirty="0">
-                <a:latin typeface="Times New Roman" panose="02020603050405020304" pitchFamily="18" charset="0"/>
-                <a:cs typeface="Times New Roman" panose="02020603050405020304" pitchFamily="18" charset="0"/>
-              </a:rPr>
-              <a:t> </a:t>
-            </a:r>
-            <a:r>
-              <a:rPr lang="en-ID" sz="12000" dirty="0" err="1">
-                <a:latin typeface="Times New Roman" panose="02020603050405020304" pitchFamily="18" charset="0"/>
-                <a:cs typeface="Times New Roman" panose="02020603050405020304" pitchFamily="18" charset="0"/>
-              </a:rPr>
-              <a:t>Pinaagi</a:t>
-            </a:r>
-            <a:r>
-              <a:rPr lang="en-ID" sz="12000" dirty="0">
-                <a:latin typeface="Times New Roman" panose="02020603050405020304" pitchFamily="18" charset="0"/>
-                <a:cs typeface="Times New Roman" panose="02020603050405020304" pitchFamily="18" charset="0"/>
-              </a:rPr>
-              <a:t> Sa </a:t>
-            </a:r>
-            <a:r>
-              <a:rPr lang="en-ID" sz="12000" dirty="0" err="1">
-                <a:latin typeface="Times New Roman" panose="02020603050405020304" pitchFamily="18" charset="0"/>
-                <a:cs typeface="Times New Roman" panose="02020603050405020304" pitchFamily="18" charset="0"/>
-              </a:rPr>
-              <a:t>Imong</a:t>
-            </a:r>
-            <a:r>
-              <a:rPr lang="en-ID" sz="12000" dirty="0">
-                <a:latin typeface="Times New Roman" panose="02020603050405020304" pitchFamily="18" charset="0"/>
-                <a:cs typeface="Times New Roman" panose="02020603050405020304" pitchFamily="18" charset="0"/>
-              </a:rPr>
-              <a:t> </a:t>
-            </a:r>
-            <a:r>
-              <a:rPr lang="en-ID" sz="12000" dirty="0" err="1">
-                <a:latin typeface="Times New Roman" panose="02020603050405020304" pitchFamily="18" charset="0"/>
-                <a:cs typeface="Times New Roman" panose="02020603050405020304" pitchFamily="18" charset="0"/>
-              </a:rPr>
-              <a:t>Pagkabanhaw</a:t>
-            </a:r>
-            <a:r>
-              <a:rPr lang="en-ID" sz="12000" dirty="0">
+              <a:rPr lang="en-ID" sz="11500" dirty="0" err="1">
+                <a:latin typeface="Times New Roman" panose="02020603050405020304" pitchFamily="18" charset="0"/>
+                <a:cs typeface="Times New Roman" panose="02020603050405020304" pitchFamily="18" charset="0"/>
+              </a:rPr>
+              <a:t>Sukod</a:t>
+            </a:r>
+            <a:r>
+              <a:rPr lang="en-ID" sz="11500" dirty="0">
                 <a:latin typeface="Times New Roman" panose="02020603050405020304" pitchFamily="18" charset="0"/>
                 <a:cs typeface="Times New Roman" panose="02020603050405020304" pitchFamily="18" charset="0"/>
               </a:rPr>
@@ -4285,7 +4280,7 @@
     </p:spTree>
     <p:extLst>
       <p:ext uri="{BB962C8B-B14F-4D97-AF65-F5344CB8AC3E}">
-        <p14:creationId xmlns:p14="http://schemas.microsoft.com/office/powerpoint/2010/main" val="3092291076"/>
+        <p14:creationId xmlns:p14="http://schemas.microsoft.com/office/powerpoint/2010/main" val="1892770379"/>
       </p:ext>
     </p:extLst>
   </p:cSld>
@@ -4295,17 +4290,9 @@
 </p:sld>
 </file>
 
-<file path=ppt/slides/slide2.xml><?xml version="1.0" encoding="utf-8"?>
+<file path=ppt/slides/slide3.xml><?xml version="1.0" encoding="utf-8"?>
 <p:sld xmlns:a="http://schemas.openxmlformats.org/drawingml/2006/main" xmlns:r="http://schemas.openxmlformats.org/officeDocument/2006/relationships" xmlns:p="http://schemas.openxmlformats.org/presentationml/2006/main">
   <p:cSld>
-    <p:bg>
-      <p:bgPr>
-        <a:solidFill>
-          <a:schemeClr val="tx1"/>
-        </a:solidFill>
-        <a:effectLst/>
-      </p:bgPr>
-    </p:bg>
     <p:spTree>
       <p:nvGrpSpPr>
         <p:cNvPr id="1" name=""/>
@@ -4322,10 +4309,10 @@
       </p:grpSpPr>
       <p:sp>
         <p:nvSpPr>
-          <p:cNvPr id="4" name="Rectangle 3">
-            <a:extLst>
-              <a:ext uri="{FF2B5EF4-FFF2-40B4-BE49-F238E27FC236}">
-                <a16:creationId xmlns:a16="http://schemas.microsoft.com/office/drawing/2014/main" id="{4B3BF86F-B0D8-490B-9AFE-96DFA7663221}"/>
+          <p:cNvPr id="8" name="Rectangle 7">
+            <a:extLst>
+              <a:ext uri="{FF2B5EF4-FFF2-40B4-BE49-F238E27FC236}">
+                <a16:creationId xmlns:a16="http://schemas.microsoft.com/office/drawing/2014/main" id="{F2D4EDD6-DCB2-420C-ACFA-D33CC2ACEAE1}"/>
               </a:ext>
             </a:extLst>
           </p:cNvPr>
@@ -4334,13 +4321,17 @@
         </p:nvSpPr>
         <p:spPr>
           <a:xfrm>
-            <a:off x="0" y="0"/>
+            <a:off x="0" y="20320"/>
             <a:ext cx="12192000" cy="6858000"/>
           </a:xfrm>
           <a:prstGeom prst="rect">
             <a:avLst/>
           </a:prstGeom>
-          <a:noFill/>
+          <a:solidFill>
+            <a:schemeClr val="tx1">
+              <a:alpha val="38000"/>
+            </a:schemeClr>
+          </a:solidFill>
           <a:ln>
             <a:noFill/>
           </a:ln>
@@ -4366,20 +4357,90 @@
           <a:lstStyle/>
           <a:p>
             <a:pPr algn="ctr"/>
-            <a:endParaRPr lang="en-US" sz="4000" dirty="0">
-              <a:solidFill>
-                <a:schemeClr val="bg1"/>
-              </a:solidFill>
-              <a:latin typeface="Times New Roman" panose="02020603050405020304" pitchFamily="18" charset="0"/>
-              <a:cs typeface="Times New Roman" panose="02020603050405020304" pitchFamily="18" charset="0"/>
-            </a:endParaRPr>
+            <a:r>
+              <a:rPr lang="en-ID" sz="11500" dirty="0">
+                <a:latin typeface="Times New Roman" panose="02020603050405020304" pitchFamily="18" charset="0"/>
+                <a:cs typeface="Times New Roman" panose="02020603050405020304" pitchFamily="18" charset="0"/>
+              </a:rPr>
+              <a:t>Ang </a:t>
+            </a:r>
+            <a:r>
+              <a:rPr lang="en-ID" sz="11500" dirty="0" err="1">
+                <a:latin typeface="Times New Roman" panose="02020603050405020304" pitchFamily="18" charset="0"/>
+                <a:cs typeface="Times New Roman" panose="02020603050405020304" pitchFamily="18" charset="0"/>
+              </a:rPr>
+              <a:t>Imong</a:t>
+            </a:r>
+            <a:r>
+              <a:rPr lang="en-ID" sz="11500" dirty="0">
+                <a:latin typeface="Times New Roman" panose="02020603050405020304" pitchFamily="18" charset="0"/>
+                <a:cs typeface="Times New Roman" panose="02020603050405020304" pitchFamily="18" charset="0"/>
+              </a:rPr>
+              <a:t> Pag </a:t>
+            </a:r>
+            <a:r>
+              <a:rPr lang="en-ID" sz="11500" dirty="0" err="1">
+                <a:latin typeface="Times New Roman" panose="02020603050405020304" pitchFamily="18" charset="0"/>
+                <a:cs typeface="Times New Roman" panose="02020603050405020304" pitchFamily="18" charset="0"/>
+              </a:rPr>
+              <a:t>Antos</a:t>
+            </a:r>
+            <a:r>
+              <a:rPr lang="en-ID" sz="11500" dirty="0">
+                <a:latin typeface="Times New Roman" panose="02020603050405020304" pitchFamily="18" charset="0"/>
+                <a:cs typeface="Times New Roman" panose="02020603050405020304" pitchFamily="18" charset="0"/>
+              </a:rPr>
+              <a:t> Ug Pag </a:t>
+            </a:r>
+            <a:r>
+              <a:rPr lang="en-ID" sz="11500" dirty="0" err="1">
+                <a:latin typeface="Times New Roman" panose="02020603050405020304" pitchFamily="18" charset="0"/>
+                <a:cs typeface="Times New Roman" panose="02020603050405020304" pitchFamily="18" charset="0"/>
+              </a:rPr>
+              <a:t>Pakamatay</a:t>
+            </a:r>
+            <a:r>
+              <a:rPr lang="en-ID" sz="11500" dirty="0">
+                <a:latin typeface="Times New Roman" panose="02020603050405020304" pitchFamily="18" charset="0"/>
+                <a:cs typeface="Times New Roman" panose="02020603050405020304" pitchFamily="18" charset="0"/>
+              </a:rPr>
+              <a:t> </a:t>
+            </a:r>
+            <a:r>
+              <a:rPr lang="en-ID" sz="11500" dirty="0" err="1">
+                <a:latin typeface="Times New Roman" panose="02020603050405020304" pitchFamily="18" charset="0"/>
+                <a:cs typeface="Times New Roman" panose="02020603050405020304" pitchFamily="18" charset="0"/>
+              </a:rPr>
+              <a:t>Nagdan</a:t>
+            </a:r>
+            <a:r>
+              <a:rPr lang="en-ID" sz="11500" dirty="0">
+                <a:latin typeface="Times New Roman" panose="02020603050405020304" pitchFamily="18" charset="0"/>
+                <a:cs typeface="Times New Roman" panose="02020603050405020304" pitchFamily="18" charset="0"/>
+              </a:rPr>
+              <a:t>-ag Sa </a:t>
+            </a:r>
+            <a:r>
+              <a:rPr lang="en-ID" sz="11500" dirty="0" err="1">
+                <a:latin typeface="Times New Roman" panose="02020603050405020304" pitchFamily="18" charset="0"/>
+                <a:cs typeface="Times New Roman" panose="02020603050405020304" pitchFamily="18" charset="0"/>
+              </a:rPr>
+              <a:t>Kaluwasan</a:t>
+            </a:r>
+            <a:r>
+              <a:rPr lang="en-ID" sz="11500" dirty="0">
+                <a:latin typeface="Times New Roman" panose="02020603050405020304" pitchFamily="18" charset="0"/>
+                <a:cs typeface="Times New Roman" panose="02020603050405020304" pitchFamily="18" charset="0"/>
+              </a:rPr>
+              <a:t>.</a:t>
+            </a:r>
           </a:p>
         </p:txBody>
       </p:sp>
     </p:spTree>
     <p:extLst>
       <p:ext uri="{BB962C8B-B14F-4D97-AF65-F5344CB8AC3E}">
-        <p14:creationId xmlns:p14="http://schemas.microsoft.com/office/powerpoint/2010/main" val="3558198869"/>
+        <p14:creationId xmlns:p14="http://schemas.microsoft.com/office/powerpoint/2010/main" val="3032243814"/>
       </p:ext>
     </p:extLst>
   </p:cSld>
@@ -4389,7 +4450,7 @@
 </p:sld>
 </file>
 
-<file path=ppt/slides/slide3.xml><?xml version="1.0" encoding="utf-8"?>
+<file path=ppt/slides/slide4.xml><?xml version="1.0" encoding="utf-8"?>
 <p:sld xmlns:a="http://schemas.openxmlformats.org/drawingml/2006/main" xmlns:r="http://schemas.openxmlformats.org/officeDocument/2006/relationships" xmlns:p="http://schemas.openxmlformats.org/presentationml/2006/main">
   <p:cSld>
     <p:spTree>
@@ -4457,74 +4518,81 @@
           <a:p>
             <a:pPr algn="ctr"/>
             <a:r>
+              <a:rPr lang="en-ID" sz="11500" dirty="0" err="1">
+                <a:latin typeface="Times New Roman" panose="02020603050405020304" pitchFamily="18" charset="0"/>
+                <a:cs typeface="Times New Roman" panose="02020603050405020304" pitchFamily="18" charset="0"/>
+              </a:rPr>
+              <a:t>Imong</a:t>
+            </a:r>
+            <a:r>
               <a:rPr lang="en-ID" sz="11500" dirty="0">
                 <a:latin typeface="Times New Roman" panose="02020603050405020304" pitchFamily="18" charset="0"/>
                 <a:cs typeface="Times New Roman" panose="02020603050405020304" pitchFamily="18" charset="0"/>
               </a:rPr>
-              <a:t>Ang </a:t>
+              <a:t> </a:t>
             </a:r>
             <a:r>
               <a:rPr lang="en-ID" sz="11500" dirty="0" err="1">
                 <a:latin typeface="Times New Roman" panose="02020603050405020304" pitchFamily="18" charset="0"/>
                 <a:cs typeface="Times New Roman" panose="02020603050405020304" pitchFamily="18" charset="0"/>
               </a:rPr>
-              <a:t>Gugma</a:t>
+              <a:t>Gihiusa</a:t>
             </a:r>
             <a:r>
               <a:rPr lang="en-ID" sz="11500" dirty="0">
                 <a:latin typeface="Times New Roman" panose="02020603050405020304" pitchFamily="18" charset="0"/>
                 <a:cs typeface="Times New Roman" panose="02020603050405020304" pitchFamily="18" charset="0"/>
               </a:rPr>
-              <a:t> Mo O </a:t>
+              <a:t> Ang </a:t>
             </a:r>
             <a:r>
               <a:rPr lang="en-ID" sz="11500" dirty="0" err="1">
                 <a:latin typeface="Times New Roman" panose="02020603050405020304" pitchFamily="18" charset="0"/>
                 <a:cs typeface="Times New Roman" panose="02020603050405020304" pitchFamily="18" charset="0"/>
               </a:rPr>
-              <a:t>Ginoo</a:t>
+              <a:t>Kalibutan</a:t>
+            </a:r>
+            <a:endParaRPr lang="en-ID" sz="11500" dirty="0">
+              <a:latin typeface="Times New Roman" panose="02020603050405020304" pitchFamily="18" charset="0"/>
+              <a:cs typeface="Times New Roman" panose="02020603050405020304" pitchFamily="18" charset="0"/>
+            </a:endParaRPr>
+          </a:p>
+          <a:p>
+            <a:pPr algn="ctr"/>
+            <a:r>
+              <a:rPr lang="en-ID" sz="11500" dirty="0" err="1">
+                <a:latin typeface="Times New Roman" panose="02020603050405020304" pitchFamily="18" charset="0"/>
+                <a:cs typeface="Times New Roman" panose="02020603050405020304" pitchFamily="18" charset="0"/>
+              </a:rPr>
+              <a:t>Pinaagi</a:t>
             </a:r>
             <a:r>
               <a:rPr lang="en-ID" sz="11500" dirty="0">
                 <a:latin typeface="Times New Roman" panose="02020603050405020304" pitchFamily="18" charset="0"/>
                 <a:cs typeface="Times New Roman" panose="02020603050405020304" pitchFamily="18" charset="0"/>
               </a:rPr>
-              <a:t>, </a:t>
+              <a:t> Sa </a:t>
             </a:r>
             <a:r>
               <a:rPr lang="en-ID" sz="11500" dirty="0" err="1">
                 <a:latin typeface="Times New Roman" panose="02020603050405020304" pitchFamily="18" charset="0"/>
                 <a:cs typeface="Times New Roman" panose="02020603050405020304" pitchFamily="18" charset="0"/>
               </a:rPr>
-              <a:t>Gugma</a:t>
+              <a:t>Imong</a:t>
             </a:r>
             <a:r>
               <a:rPr lang="en-ID" sz="11500" dirty="0">
                 <a:latin typeface="Times New Roman" panose="02020603050405020304" pitchFamily="18" charset="0"/>
                 <a:cs typeface="Times New Roman" panose="02020603050405020304" pitchFamily="18" charset="0"/>
               </a:rPr>
-              <a:t> Nga </a:t>
+              <a:t> </a:t>
             </a:r>
             <a:r>
               <a:rPr lang="en-ID" sz="11500" dirty="0" err="1">
                 <a:latin typeface="Times New Roman" panose="02020603050405020304" pitchFamily="18" charset="0"/>
                 <a:cs typeface="Times New Roman" panose="02020603050405020304" pitchFamily="18" charset="0"/>
               </a:rPr>
-              <a:t>Walay</a:t>
-            </a:r>
-            <a:r>
-              <a:rPr lang="en-ID" sz="11500" dirty="0">
-                <a:latin typeface="Times New Roman" panose="02020603050405020304" pitchFamily="18" charset="0"/>
-                <a:cs typeface="Times New Roman" panose="02020603050405020304" pitchFamily="18" charset="0"/>
-              </a:rPr>
-              <a:t> </a:t>
-            </a:r>
-            <a:r>
-              <a:rPr lang="en-ID" sz="11500" dirty="0" err="1">
-                <a:latin typeface="Times New Roman" panose="02020603050405020304" pitchFamily="18" charset="0"/>
-                <a:cs typeface="Times New Roman" panose="02020603050405020304" pitchFamily="18" charset="0"/>
-              </a:rPr>
-              <a:t>Sukod</a:t>
+              <a:t>Pagkabanhaw</a:t>
             </a:r>
             <a:r>
               <a:rPr lang="en-ID" sz="11500" dirty="0">
@@ -4539,167 +4607,7 @@
     </p:spTree>
     <p:extLst>
       <p:ext uri="{BB962C8B-B14F-4D97-AF65-F5344CB8AC3E}">
-        <p14:creationId xmlns:p14="http://schemas.microsoft.com/office/powerpoint/2010/main" val="1892770379"/>
-      </p:ext>
-    </p:extLst>
-  </p:cSld>
-  <p:clrMapOvr>
-    <a:masterClrMapping/>
-  </p:clrMapOvr>
-</p:sld>
-</file>
-
-<file path=ppt/slides/slide4.xml><?xml version="1.0" encoding="utf-8"?>
-<p:sld xmlns:a="http://schemas.openxmlformats.org/drawingml/2006/main" xmlns:r="http://schemas.openxmlformats.org/officeDocument/2006/relationships" xmlns:p="http://schemas.openxmlformats.org/presentationml/2006/main">
-  <p:cSld>
-    <p:spTree>
-      <p:nvGrpSpPr>
-        <p:cNvPr id="1" name=""/>
-        <p:cNvGrpSpPr/>
-        <p:nvPr/>
-      </p:nvGrpSpPr>
-      <p:grpSpPr>
-        <a:xfrm>
-          <a:off x="0" y="0"/>
-          <a:ext cx="0" cy="0"/>
-          <a:chOff x="0" y="0"/>
-          <a:chExt cx="0" cy="0"/>
-        </a:xfrm>
-      </p:grpSpPr>
-      <p:sp>
-        <p:nvSpPr>
-          <p:cNvPr id="8" name="Rectangle 7">
-            <a:extLst>
-              <a:ext uri="{FF2B5EF4-FFF2-40B4-BE49-F238E27FC236}">
-                <a16:creationId xmlns:a16="http://schemas.microsoft.com/office/drawing/2014/main" id="{F2D4EDD6-DCB2-420C-ACFA-D33CC2ACEAE1}"/>
-              </a:ext>
-            </a:extLst>
-          </p:cNvPr>
-          <p:cNvSpPr/>
-          <p:nvPr/>
-        </p:nvSpPr>
-        <p:spPr>
-          <a:xfrm>
-            <a:off x="0" y="20320"/>
-            <a:ext cx="12192000" cy="6858000"/>
-          </a:xfrm>
-          <a:prstGeom prst="rect">
-            <a:avLst/>
-          </a:prstGeom>
-          <a:solidFill>
-            <a:schemeClr val="tx1">
-              <a:alpha val="38000"/>
-            </a:schemeClr>
-          </a:solidFill>
-          <a:ln>
-            <a:noFill/>
-          </a:ln>
-        </p:spPr>
-        <p:style>
-          <a:lnRef idx="2">
-            <a:schemeClr val="accent1">
-              <a:shade val="50000"/>
-            </a:schemeClr>
-          </a:lnRef>
-          <a:fillRef idx="1">
-            <a:schemeClr val="accent1"/>
-          </a:fillRef>
-          <a:effectRef idx="0">
-            <a:schemeClr val="accent1"/>
-          </a:effectRef>
-          <a:fontRef idx="minor">
-            <a:schemeClr val="lt1"/>
-          </a:fontRef>
-        </p:style>
-        <p:txBody>
-          <a:bodyPr rtlCol="0" anchor="ctr"/>
-          <a:lstStyle/>
-          <a:p>
-            <a:pPr algn="ctr"/>
-            <a:r>
-              <a:rPr lang="en-ID" sz="11500" dirty="0">
-                <a:latin typeface="Times New Roman" panose="02020603050405020304" pitchFamily="18" charset="0"/>
-                <a:cs typeface="Times New Roman" panose="02020603050405020304" pitchFamily="18" charset="0"/>
-              </a:rPr>
-              <a:t>Ang </a:t>
-            </a:r>
-            <a:r>
-              <a:rPr lang="en-ID" sz="11500" dirty="0" err="1">
-                <a:latin typeface="Times New Roman" panose="02020603050405020304" pitchFamily="18" charset="0"/>
-                <a:cs typeface="Times New Roman" panose="02020603050405020304" pitchFamily="18" charset="0"/>
-              </a:rPr>
-              <a:t>Imong</a:t>
-            </a:r>
-            <a:r>
-              <a:rPr lang="en-ID" sz="11500" dirty="0">
-                <a:latin typeface="Times New Roman" panose="02020603050405020304" pitchFamily="18" charset="0"/>
-                <a:cs typeface="Times New Roman" panose="02020603050405020304" pitchFamily="18" charset="0"/>
-              </a:rPr>
-              <a:t> Pag </a:t>
-            </a:r>
-            <a:r>
-              <a:rPr lang="en-ID" sz="11500" dirty="0" err="1">
-                <a:latin typeface="Times New Roman" panose="02020603050405020304" pitchFamily="18" charset="0"/>
-                <a:cs typeface="Times New Roman" panose="02020603050405020304" pitchFamily="18" charset="0"/>
-              </a:rPr>
-              <a:t>Antos</a:t>
-            </a:r>
-            <a:r>
-              <a:rPr lang="en-ID" sz="11500" dirty="0">
-                <a:latin typeface="Times New Roman" panose="02020603050405020304" pitchFamily="18" charset="0"/>
-                <a:cs typeface="Times New Roman" panose="02020603050405020304" pitchFamily="18" charset="0"/>
-              </a:rPr>
-              <a:t> Ug Pag </a:t>
-            </a:r>
-            <a:r>
-              <a:rPr lang="en-ID" sz="11500" dirty="0" err="1">
-                <a:latin typeface="Times New Roman" panose="02020603050405020304" pitchFamily="18" charset="0"/>
-                <a:cs typeface="Times New Roman" panose="02020603050405020304" pitchFamily="18" charset="0"/>
-              </a:rPr>
-              <a:t>Pakamatay</a:t>
-            </a:r>
-            <a:r>
-              <a:rPr lang="en-ID" sz="11500" dirty="0">
-                <a:latin typeface="Times New Roman" panose="02020603050405020304" pitchFamily="18" charset="0"/>
-                <a:cs typeface="Times New Roman" panose="02020603050405020304" pitchFamily="18" charset="0"/>
-              </a:rPr>
-              <a:t> </a:t>
-            </a:r>
-            <a:r>
-              <a:rPr lang="en-ID" sz="11500" dirty="0" err="1">
-                <a:latin typeface="Times New Roman" panose="02020603050405020304" pitchFamily="18" charset="0"/>
-                <a:cs typeface="Times New Roman" panose="02020603050405020304" pitchFamily="18" charset="0"/>
-              </a:rPr>
-              <a:t>Nagdan</a:t>
-            </a:r>
-            <a:r>
-              <a:rPr lang="en-ID" sz="11500" dirty="0">
-                <a:latin typeface="Times New Roman" panose="02020603050405020304" pitchFamily="18" charset="0"/>
-                <a:cs typeface="Times New Roman" panose="02020603050405020304" pitchFamily="18" charset="0"/>
-              </a:rPr>
-              <a:t>-ag Sa </a:t>
-            </a:r>
-            <a:r>
-              <a:rPr lang="en-ID" sz="11500" dirty="0" err="1">
-                <a:latin typeface="Times New Roman" panose="02020603050405020304" pitchFamily="18" charset="0"/>
-                <a:cs typeface="Times New Roman" panose="02020603050405020304" pitchFamily="18" charset="0"/>
-              </a:rPr>
-              <a:t>Kaluwasan</a:t>
-            </a:r>
-            <a:r>
-              <a:rPr lang="en-ID" sz="11500" dirty="0">
-                <a:latin typeface="Times New Roman" panose="02020603050405020304" pitchFamily="18" charset="0"/>
-                <a:cs typeface="Times New Roman" panose="02020603050405020304" pitchFamily="18" charset="0"/>
-              </a:rPr>
-              <a:t>.</a:t>
-            </a:r>
-          </a:p>
-        </p:txBody>
-      </p:sp>
-    </p:spTree>
-    <p:extLst>
-      <p:ext uri="{BB962C8B-B14F-4D97-AF65-F5344CB8AC3E}">
-        <p14:creationId xmlns:p14="http://schemas.microsoft.com/office/powerpoint/2010/main" val="3032243814"/>
+        <p14:creationId xmlns:p14="http://schemas.microsoft.com/office/powerpoint/2010/main" val="3818282456"/>
       </p:ext>
     </p:extLst>
   </p:cSld>
@@ -4777,41 +4685,48 @@
           <a:p>
             <a:pPr algn="ctr"/>
             <a:r>
-              <a:rPr lang="en-ID" sz="11500" dirty="0" err="1">
+              <a:rPr lang="en-ID" sz="9000" dirty="0">
+                <a:latin typeface="Times New Roman" panose="02020603050405020304" pitchFamily="18" charset="0"/>
+                <a:cs typeface="Times New Roman" panose="02020603050405020304" pitchFamily="18" charset="0"/>
+              </a:rPr>
+              <a:t>Ang </a:t>
+            </a:r>
+            <a:r>
+              <a:rPr lang="en-ID" sz="9000" dirty="0" err="1">
                 <a:latin typeface="Times New Roman" panose="02020603050405020304" pitchFamily="18" charset="0"/>
                 <a:cs typeface="Times New Roman" panose="02020603050405020304" pitchFamily="18" charset="0"/>
               </a:rPr>
               <a:t>Imong</a:t>
             </a:r>
             <a:r>
-              <a:rPr lang="en-ID" sz="11500" dirty="0">
+              <a:rPr lang="en-ID" sz="9000" dirty="0">
                 <a:latin typeface="Times New Roman" panose="02020603050405020304" pitchFamily="18" charset="0"/>
                 <a:cs typeface="Times New Roman" panose="02020603050405020304" pitchFamily="18" charset="0"/>
               </a:rPr>
               <a:t> </a:t>
             </a:r>
             <a:r>
-              <a:rPr lang="en-ID" sz="11500" dirty="0" err="1">
-                <a:latin typeface="Times New Roman" panose="02020603050405020304" pitchFamily="18" charset="0"/>
-                <a:cs typeface="Times New Roman" panose="02020603050405020304" pitchFamily="18" charset="0"/>
-              </a:rPr>
-              <a:t>Gihiusa</a:t>
-            </a:r>
-            <a:r>
-              <a:rPr lang="en-ID" sz="11500" dirty="0">
-                <a:latin typeface="Times New Roman" panose="02020603050405020304" pitchFamily="18" charset="0"/>
-                <a:cs typeface="Times New Roman" panose="02020603050405020304" pitchFamily="18" charset="0"/>
-              </a:rPr>
-              <a:t> Ang </a:t>
-            </a:r>
-            <a:r>
-              <a:rPr lang="en-ID" sz="11500" dirty="0" err="1">
-                <a:latin typeface="Times New Roman" panose="02020603050405020304" pitchFamily="18" charset="0"/>
-                <a:cs typeface="Times New Roman" panose="02020603050405020304" pitchFamily="18" charset="0"/>
-              </a:rPr>
-              <a:t>Kalibutan</a:t>
-            </a:r>
-            <a:endParaRPr lang="en-ID" sz="11500" dirty="0">
+              <a:rPr lang="en-ID" sz="9000" dirty="0" err="1">
+                <a:latin typeface="Times New Roman" panose="02020603050405020304" pitchFamily="18" charset="0"/>
+                <a:cs typeface="Times New Roman" panose="02020603050405020304" pitchFamily="18" charset="0"/>
+              </a:rPr>
+              <a:t>Katinaw</a:t>
+            </a:r>
+            <a:r>
+              <a:rPr lang="en-ID" sz="9000" dirty="0">
+                <a:latin typeface="Times New Roman" panose="02020603050405020304" pitchFamily="18" charset="0"/>
+                <a:cs typeface="Times New Roman" panose="02020603050405020304" pitchFamily="18" charset="0"/>
+              </a:rPr>
+              <a:t> O </a:t>
+            </a:r>
+            <a:r>
+              <a:rPr lang="en-ID" sz="9000" dirty="0" err="1">
+                <a:latin typeface="Times New Roman" panose="02020603050405020304" pitchFamily="18" charset="0"/>
+                <a:cs typeface="Times New Roman" panose="02020603050405020304" pitchFamily="18" charset="0"/>
+              </a:rPr>
+              <a:t>Ginoo</a:t>
+            </a:r>
+            <a:endParaRPr lang="en-ID" sz="9000" dirty="0">
               <a:latin typeface="Times New Roman" panose="02020603050405020304" pitchFamily="18" charset="0"/>
               <a:cs typeface="Times New Roman" panose="02020603050405020304" pitchFamily="18" charset="0"/>
             </a:endParaRPr>
@@ -4819,54 +4734,86 @@
           <a:p>
             <a:pPr algn="ctr"/>
             <a:r>
-              <a:rPr lang="en-ID" sz="11500" dirty="0" err="1">
-                <a:latin typeface="Times New Roman" panose="02020603050405020304" pitchFamily="18" charset="0"/>
-                <a:cs typeface="Times New Roman" panose="02020603050405020304" pitchFamily="18" charset="0"/>
-              </a:rPr>
-              <a:t>Pinaagi</a:t>
-            </a:r>
-            <a:r>
-              <a:rPr lang="en-ID" sz="11500" dirty="0">
-                <a:latin typeface="Times New Roman" panose="02020603050405020304" pitchFamily="18" charset="0"/>
-                <a:cs typeface="Times New Roman" panose="02020603050405020304" pitchFamily="18" charset="0"/>
-              </a:rPr>
-              <a:t> Sa </a:t>
-            </a:r>
-            <a:r>
-              <a:rPr lang="en-ID" sz="11500" dirty="0" err="1">
+              <a:rPr lang="en-ID" sz="9000" dirty="0" err="1">
+                <a:latin typeface="Times New Roman" panose="02020603050405020304" pitchFamily="18" charset="0"/>
+                <a:cs typeface="Times New Roman" panose="02020603050405020304" pitchFamily="18" charset="0"/>
+              </a:rPr>
+              <a:t>Gibati</a:t>
+            </a:r>
+            <a:r>
+              <a:rPr lang="en-ID" sz="9000" dirty="0">
+                <a:latin typeface="Times New Roman" panose="02020603050405020304" pitchFamily="18" charset="0"/>
+                <a:cs typeface="Times New Roman" panose="02020603050405020304" pitchFamily="18" charset="0"/>
+              </a:rPr>
+              <a:t> Sa Among </a:t>
+            </a:r>
+            <a:r>
+              <a:rPr lang="en-ID" sz="9000" dirty="0" err="1">
+                <a:latin typeface="Times New Roman" panose="02020603050405020304" pitchFamily="18" charset="0"/>
+                <a:cs typeface="Times New Roman" panose="02020603050405020304" pitchFamily="18" charset="0"/>
+              </a:rPr>
+              <a:t>Dughan</a:t>
+            </a:r>
+            <a:endParaRPr lang="en-ID" sz="9000" dirty="0">
+              <a:latin typeface="Times New Roman" panose="02020603050405020304" pitchFamily="18" charset="0"/>
+              <a:cs typeface="Times New Roman" panose="02020603050405020304" pitchFamily="18" charset="0"/>
+            </a:endParaRPr>
+          </a:p>
+          <a:p>
+            <a:pPr algn="ctr"/>
+            <a:r>
+              <a:rPr lang="en-ID" sz="9000" dirty="0">
+                <a:latin typeface="Times New Roman" panose="02020603050405020304" pitchFamily="18" charset="0"/>
+                <a:cs typeface="Times New Roman" panose="02020603050405020304" pitchFamily="18" charset="0"/>
+              </a:rPr>
+              <a:t>Ang </a:t>
+            </a:r>
+            <a:r>
+              <a:rPr lang="en-ID" sz="9000" dirty="0" err="1">
                 <a:latin typeface="Times New Roman" panose="02020603050405020304" pitchFamily="18" charset="0"/>
                 <a:cs typeface="Times New Roman" panose="02020603050405020304" pitchFamily="18" charset="0"/>
               </a:rPr>
               <a:t>Imong</a:t>
             </a:r>
             <a:r>
-              <a:rPr lang="en-ID" sz="11500" dirty="0">
+              <a:rPr lang="en-ID" sz="9000" dirty="0">
                 <a:latin typeface="Times New Roman" panose="02020603050405020304" pitchFamily="18" charset="0"/>
                 <a:cs typeface="Times New Roman" panose="02020603050405020304" pitchFamily="18" charset="0"/>
               </a:rPr>
               <a:t> </a:t>
             </a:r>
             <a:r>
-              <a:rPr lang="en-ID" sz="11500" dirty="0" err="1">
-                <a:latin typeface="Times New Roman" panose="02020603050405020304" pitchFamily="18" charset="0"/>
-                <a:cs typeface="Times New Roman" panose="02020603050405020304" pitchFamily="18" charset="0"/>
-              </a:rPr>
-              <a:t>Pagkabanhaw</a:t>
-            </a:r>
-            <a:r>
-              <a:rPr lang="en-ID" sz="11500" dirty="0">
-                <a:latin typeface="Times New Roman" panose="02020603050405020304" pitchFamily="18" charset="0"/>
-                <a:cs typeface="Times New Roman" panose="02020603050405020304" pitchFamily="18" charset="0"/>
-              </a:rPr>
-              <a:t>.</a:t>
-            </a:r>
+              <a:rPr lang="en-ID" sz="9000" dirty="0" err="1">
+                <a:latin typeface="Times New Roman" panose="02020603050405020304" pitchFamily="18" charset="0"/>
+                <a:cs typeface="Times New Roman" panose="02020603050405020304" pitchFamily="18" charset="0"/>
+              </a:rPr>
+              <a:t>Dugo</a:t>
+            </a:r>
+            <a:r>
+              <a:rPr lang="en-ID" sz="9000" dirty="0">
+                <a:latin typeface="Times New Roman" panose="02020603050405020304" pitchFamily="18" charset="0"/>
+                <a:cs typeface="Times New Roman" panose="02020603050405020304" pitchFamily="18" charset="0"/>
+              </a:rPr>
+              <a:t> Ug Ang </a:t>
+            </a:r>
+            <a:r>
+              <a:rPr lang="en-ID" sz="9000" dirty="0" err="1">
+                <a:latin typeface="Times New Roman" panose="02020603050405020304" pitchFamily="18" charset="0"/>
+                <a:cs typeface="Times New Roman" panose="02020603050405020304" pitchFamily="18" charset="0"/>
+              </a:rPr>
+              <a:t>Lawas</a:t>
+            </a:r>
+            <a:endParaRPr lang="en-ID" sz="9000" dirty="0">
+              <a:latin typeface="Times New Roman" panose="02020603050405020304" pitchFamily="18" charset="0"/>
+              <a:cs typeface="Times New Roman" panose="02020603050405020304" pitchFamily="18" charset="0"/>
+            </a:endParaRPr>
           </a:p>
         </p:txBody>
       </p:sp>
     </p:spTree>
     <p:extLst>
       <p:ext uri="{BB962C8B-B14F-4D97-AF65-F5344CB8AC3E}">
-        <p14:creationId xmlns:p14="http://schemas.microsoft.com/office/powerpoint/2010/main" val="3818282456"/>
+        <p14:creationId xmlns:p14="http://schemas.microsoft.com/office/powerpoint/2010/main" val="1191219540"/>
       </p:ext>
     </p:extLst>
   </p:cSld>
@@ -4944,135 +4891,89 @@
           <a:p>
             <a:pPr algn="ctr"/>
             <a:r>
-              <a:rPr lang="en-ID" sz="9000" dirty="0">
-                <a:latin typeface="Times New Roman" panose="02020603050405020304" pitchFamily="18" charset="0"/>
-                <a:cs typeface="Times New Roman" panose="02020603050405020304" pitchFamily="18" charset="0"/>
-              </a:rPr>
-              <a:t>Ang </a:t>
-            </a:r>
-            <a:r>
-              <a:rPr lang="en-ID" sz="9000" dirty="0" err="1">
+              <a:rPr lang="en-ID" sz="9600" dirty="0">
+                <a:latin typeface="Times New Roman" panose="02020603050405020304" pitchFamily="18" charset="0"/>
+                <a:cs typeface="Times New Roman" panose="02020603050405020304" pitchFamily="18" charset="0"/>
+              </a:rPr>
+              <a:t>Nag Dag-ag Sa </a:t>
+            </a:r>
+            <a:r>
+              <a:rPr lang="en-ID" sz="9600" dirty="0" err="1">
+                <a:latin typeface="Times New Roman" panose="02020603050405020304" pitchFamily="18" charset="0"/>
+                <a:cs typeface="Times New Roman" panose="02020603050405020304" pitchFamily="18" charset="0"/>
+              </a:rPr>
+              <a:t>Kaluwasan</a:t>
+            </a:r>
+            <a:r>
+              <a:rPr lang="en-ID" sz="9600" dirty="0">
+                <a:latin typeface="Times New Roman" panose="02020603050405020304" pitchFamily="18" charset="0"/>
+                <a:cs typeface="Times New Roman" panose="02020603050405020304" pitchFamily="18" charset="0"/>
+              </a:rPr>
+              <a:t>.</a:t>
+            </a:r>
+          </a:p>
+          <a:p>
+            <a:pPr algn="ctr"/>
+            <a:r>
+              <a:rPr lang="en-ID" sz="9600" dirty="0" err="1">
                 <a:latin typeface="Times New Roman" panose="02020603050405020304" pitchFamily="18" charset="0"/>
                 <a:cs typeface="Times New Roman" panose="02020603050405020304" pitchFamily="18" charset="0"/>
               </a:rPr>
               <a:t>Imong</a:t>
             </a:r>
             <a:r>
-              <a:rPr lang="en-ID" sz="9000" dirty="0">
+              <a:rPr lang="en-ID" sz="9600" dirty="0">
                 <a:latin typeface="Times New Roman" panose="02020603050405020304" pitchFamily="18" charset="0"/>
                 <a:cs typeface="Times New Roman" panose="02020603050405020304" pitchFamily="18" charset="0"/>
               </a:rPr>
               <a:t> </a:t>
             </a:r>
             <a:r>
-              <a:rPr lang="en-ID" sz="9000" dirty="0" err="1">
-                <a:latin typeface="Times New Roman" panose="02020603050405020304" pitchFamily="18" charset="0"/>
-                <a:cs typeface="Times New Roman" panose="02020603050405020304" pitchFamily="18" charset="0"/>
-              </a:rPr>
-              <a:t>Katinaw</a:t>
-            </a:r>
-            <a:r>
-              <a:rPr lang="en-ID" sz="9000" dirty="0">
-                <a:latin typeface="Times New Roman" panose="02020603050405020304" pitchFamily="18" charset="0"/>
-                <a:cs typeface="Times New Roman" panose="02020603050405020304" pitchFamily="18" charset="0"/>
-              </a:rPr>
-              <a:t> O </a:t>
-            </a:r>
-            <a:r>
-              <a:rPr lang="en-ID" sz="9000" dirty="0" err="1">
-                <a:latin typeface="Times New Roman" panose="02020603050405020304" pitchFamily="18" charset="0"/>
-                <a:cs typeface="Times New Roman" panose="02020603050405020304" pitchFamily="18" charset="0"/>
-              </a:rPr>
-              <a:t>Ginoo</a:t>
-            </a:r>
-            <a:endParaRPr lang="en-ID" sz="9000" dirty="0">
+              <a:rPr lang="en-ID" sz="9600" dirty="0" err="1">
+                <a:latin typeface="Times New Roman" panose="02020603050405020304" pitchFamily="18" charset="0"/>
+                <a:cs typeface="Times New Roman" panose="02020603050405020304" pitchFamily="18" charset="0"/>
+              </a:rPr>
+              <a:t>Gihigugma</a:t>
+            </a:r>
+            <a:r>
+              <a:rPr lang="en-ID" sz="9600" dirty="0">
+                <a:latin typeface="Times New Roman" panose="02020603050405020304" pitchFamily="18" charset="0"/>
+                <a:cs typeface="Times New Roman" panose="02020603050405020304" pitchFamily="18" charset="0"/>
+              </a:rPr>
+              <a:t> Ang </a:t>
+            </a:r>
+            <a:r>
+              <a:rPr lang="en-ID" sz="9600" dirty="0" err="1">
+                <a:latin typeface="Times New Roman" panose="02020603050405020304" pitchFamily="18" charset="0"/>
+                <a:cs typeface="Times New Roman" panose="02020603050405020304" pitchFamily="18" charset="0"/>
+              </a:rPr>
+              <a:t>Mga</a:t>
+            </a:r>
+            <a:r>
+              <a:rPr lang="en-ID" sz="9600" dirty="0">
+                <a:latin typeface="Times New Roman" panose="02020603050405020304" pitchFamily="18" charset="0"/>
+                <a:cs typeface="Times New Roman" panose="02020603050405020304" pitchFamily="18" charset="0"/>
+              </a:rPr>
+              <a:t> </a:t>
+            </a:r>
+            <a:r>
+              <a:rPr lang="en-ID" sz="9600" dirty="0" err="1">
+                <a:latin typeface="Times New Roman" panose="02020603050405020304" pitchFamily="18" charset="0"/>
+                <a:cs typeface="Times New Roman" panose="02020603050405020304" pitchFamily="18" charset="0"/>
+              </a:rPr>
+              <a:t>Makasasala</a:t>
+            </a:r>
+            <a:endParaRPr lang="en-ID" sz="9600" dirty="0">
               <a:latin typeface="Times New Roman" panose="02020603050405020304" pitchFamily="18" charset="0"/>
               <a:cs typeface="Times New Roman" panose="02020603050405020304" pitchFamily="18" charset="0"/>
             </a:endParaRPr>
           </a:p>
-          <a:p>
-            <a:pPr algn="ctr"/>
-            <a:r>
-              <a:rPr lang="en-ID" sz="9000" dirty="0" err="1">
-                <a:latin typeface="Times New Roman" panose="02020603050405020304" pitchFamily="18" charset="0"/>
-                <a:cs typeface="Times New Roman" panose="02020603050405020304" pitchFamily="18" charset="0"/>
-              </a:rPr>
-              <a:t>Gibati</a:t>
-            </a:r>
-            <a:r>
-              <a:rPr lang="en-ID" sz="9000" dirty="0">
-                <a:latin typeface="Times New Roman" panose="02020603050405020304" pitchFamily="18" charset="0"/>
-                <a:cs typeface="Times New Roman" panose="02020603050405020304" pitchFamily="18" charset="0"/>
-              </a:rPr>
-              <a:t> Sa Among </a:t>
-            </a:r>
-            <a:r>
-              <a:rPr lang="en-ID" sz="9000" dirty="0" err="1">
-                <a:latin typeface="Times New Roman" panose="02020603050405020304" pitchFamily="18" charset="0"/>
-                <a:cs typeface="Times New Roman" panose="02020603050405020304" pitchFamily="18" charset="0"/>
-              </a:rPr>
-              <a:t>Dughan</a:t>
-            </a:r>
-            <a:endParaRPr lang="en-ID" sz="9000" dirty="0">
-              <a:latin typeface="Times New Roman" panose="02020603050405020304" pitchFamily="18" charset="0"/>
-              <a:cs typeface="Times New Roman" panose="02020603050405020304" pitchFamily="18" charset="0"/>
-            </a:endParaRPr>
-          </a:p>
-          <a:p>
-            <a:pPr algn="ctr"/>
-            <a:r>
-              <a:rPr lang="en-ID" sz="9000" dirty="0">
-                <a:latin typeface="Times New Roman" panose="02020603050405020304" pitchFamily="18" charset="0"/>
-                <a:cs typeface="Times New Roman" panose="02020603050405020304" pitchFamily="18" charset="0"/>
-              </a:rPr>
-              <a:t>Ang </a:t>
-            </a:r>
-            <a:r>
-              <a:rPr lang="en-ID" sz="9000" dirty="0" err="1">
-                <a:latin typeface="Times New Roman" panose="02020603050405020304" pitchFamily="18" charset="0"/>
-                <a:cs typeface="Times New Roman" panose="02020603050405020304" pitchFamily="18" charset="0"/>
-              </a:rPr>
-              <a:t>Imong</a:t>
-            </a:r>
-            <a:r>
-              <a:rPr lang="en-ID" sz="9000" dirty="0">
-                <a:latin typeface="Times New Roman" panose="02020603050405020304" pitchFamily="18" charset="0"/>
-                <a:cs typeface="Times New Roman" panose="02020603050405020304" pitchFamily="18" charset="0"/>
-              </a:rPr>
-              <a:t> </a:t>
-            </a:r>
-            <a:r>
-              <a:rPr lang="en-ID" sz="9000" dirty="0" err="1">
-                <a:latin typeface="Times New Roman" panose="02020603050405020304" pitchFamily="18" charset="0"/>
-                <a:cs typeface="Times New Roman" panose="02020603050405020304" pitchFamily="18" charset="0"/>
-              </a:rPr>
-              <a:t>Dugo</a:t>
-            </a:r>
-            <a:r>
-              <a:rPr lang="en-ID" sz="9000" dirty="0">
-                <a:latin typeface="Times New Roman" panose="02020603050405020304" pitchFamily="18" charset="0"/>
-                <a:cs typeface="Times New Roman" panose="02020603050405020304" pitchFamily="18" charset="0"/>
-              </a:rPr>
-              <a:t> Ug Ang </a:t>
-            </a:r>
-            <a:r>
-              <a:rPr lang="en-ID" sz="9000" dirty="0" err="1">
-                <a:latin typeface="Times New Roman" panose="02020603050405020304" pitchFamily="18" charset="0"/>
-                <a:cs typeface="Times New Roman" panose="02020603050405020304" pitchFamily="18" charset="0"/>
-              </a:rPr>
-              <a:t>Lawas</a:t>
-            </a:r>
-            <a:endParaRPr lang="en-ID" sz="9000" dirty="0">
-              <a:latin typeface="Times New Roman" panose="02020603050405020304" pitchFamily="18" charset="0"/>
-              <a:cs typeface="Times New Roman" panose="02020603050405020304" pitchFamily="18" charset="0"/>
-            </a:endParaRPr>
-          </a:p>
         </p:txBody>
       </p:sp>
     </p:spTree>
     <p:extLst>
       <p:ext uri="{BB962C8B-B14F-4D97-AF65-F5344CB8AC3E}">
-        <p14:creationId xmlns:p14="http://schemas.microsoft.com/office/powerpoint/2010/main" val="1191219540"/>
+        <p14:creationId xmlns:p14="http://schemas.microsoft.com/office/powerpoint/2010/main" val="3711935207"/>
       </p:ext>
     </p:extLst>
   </p:cSld>
@@ -5150,21 +5051,42 @@
           <a:p>
             <a:pPr algn="ctr"/>
             <a:r>
-              <a:rPr lang="en-ID" sz="9600" dirty="0">
-                <a:latin typeface="Times New Roman" panose="02020603050405020304" pitchFamily="18" charset="0"/>
-                <a:cs typeface="Times New Roman" panose="02020603050405020304" pitchFamily="18" charset="0"/>
-              </a:rPr>
-              <a:t>Nag Dag-ag Sa </a:t>
-            </a:r>
-            <a:r>
-              <a:rPr lang="en-ID" sz="9600" dirty="0" err="1">
-                <a:latin typeface="Times New Roman" panose="02020603050405020304" pitchFamily="18" charset="0"/>
-                <a:cs typeface="Times New Roman" panose="02020603050405020304" pitchFamily="18" charset="0"/>
-              </a:rPr>
-              <a:t>Kaluwasan</a:t>
-            </a:r>
-            <a:r>
-              <a:rPr lang="en-ID" sz="9600" dirty="0">
+              <a:rPr lang="en-ID" sz="11500" dirty="0" err="1">
+                <a:latin typeface="Times New Roman" panose="02020603050405020304" pitchFamily="18" charset="0"/>
+                <a:cs typeface="Times New Roman" panose="02020603050405020304" pitchFamily="18" charset="0"/>
+              </a:rPr>
+              <a:t>Pinaagi</a:t>
+            </a:r>
+            <a:r>
+              <a:rPr lang="en-ID" sz="11500" dirty="0">
+                <a:latin typeface="Times New Roman" panose="02020603050405020304" pitchFamily="18" charset="0"/>
+                <a:cs typeface="Times New Roman" panose="02020603050405020304" pitchFamily="18" charset="0"/>
+              </a:rPr>
+              <a:t> Sa </a:t>
+            </a:r>
+            <a:r>
+              <a:rPr lang="en-ID" sz="11500" dirty="0" err="1">
+                <a:latin typeface="Times New Roman" panose="02020603050405020304" pitchFamily="18" charset="0"/>
+                <a:cs typeface="Times New Roman" panose="02020603050405020304" pitchFamily="18" charset="0"/>
+              </a:rPr>
+              <a:t>Imong</a:t>
+            </a:r>
+            <a:r>
+              <a:rPr lang="en-ID" sz="11500" dirty="0">
+                <a:latin typeface="Times New Roman" panose="02020603050405020304" pitchFamily="18" charset="0"/>
+                <a:cs typeface="Times New Roman" panose="02020603050405020304" pitchFamily="18" charset="0"/>
+              </a:rPr>
+              <a:t> </a:t>
+            </a:r>
+            <a:r>
+              <a:rPr lang="en-ID" sz="11500" dirty="0" err="1">
+                <a:latin typeface="Times New Roman" panose="02020603050405020304" pitchFamily="18" charset="0"/>
+                <a:cs typeface="Times New Roman" panose="02020603050405020304" pitchFamily="18" charset="0"/>
+              </a:rPr>
+              <a:t>Pagkabanhaw</a:t>
+            </a:r>
+            <a:r>
+              <a:rPr lang="en-ID" sz="11500" dirty="0">
                 <a:latin typeface="Times New Roman" panose="02020603050405020304" pitchFamily="18" charset="0"/>
                 <a:cs typeface="Times New Roman" panose="02020603050405020304" pitchFamily="18" charset="0"/>
               </a:rPr>
@@ -5174,55 +5096,13 @@
           <a:p>
             <a:pPr algn="ctr"/>
             <a:r>
-              <a:rPr lang="en-ID" sz="9600" dirty="0" err="1">
-                <a:latin typeface="Times New Roman" panose="02020603050405020304" pitchFamily="18" charset="0"/>
-                <a:cs typeface="Times New Roman" panose="02020603050405020304" pitchFamily="18" charset="0"/>
-              </a:rPr>
-              <a:t>Imong</a:t>
-            </a:r>
-            <a:r>
-              <a:rPr lang="en-ID" sz="9600" dirty="0">
-                <a:latin typeface="Times New Roman" panose="02020603050405020304" pitchFamily="18" charset="0"/>
-                <a:cs typeface="Times New Roman" panose="02020603050405020304" pitchFamily="18" charset="0"/>
-              </a:rPr>
-              <a:t> </a:t>
-            </a:r>
-            <a:r>
-              <a:rPr lang="en-ID" sz="9600" dirty="0" err="1">
-                <a:latin typeface="Times New Roman" panose="02020603050405020304" pitchFamily="18" charset="0"/>
-                <a:cs typeface="Times New Roman" panose="02020603050405020304" pitchFamily="18" charset="0"/>
-              </a:rPr>
-              <a:t>Gihigugma</a:t>
-            </a:r>
-            <a:r>
-              <a:rPr lang="en-ID" sz="9600" dirty="0">
-                <a:latin typeface="Times New Roman" panose="02020603050405020304" pitchFamily="18" charset="0"/>
-                <a:cs typeface="Times New Roman" panose="02020603050405020304" pitchFamily="18" charset="0"/>
-              </a:rPr>
-              <a:t> Ang </a:t>
-            </a:r>
-            <a:r>
-              <a:rPr lang="en-ID" sz="9600" dirty="0" err="1">
-                <a:latin typeface="Times New Roman" panose="02020603050405020304" pitchFamily="18" charset="0"/>
-                <a:cs typeface="Times New Roman" panose="02020603050405020304" pitchFamily="18" charset="0"/>
-              </a:rPr>
-              <a:t>Mga</a:t>
-            </a:r>
-            <a:r>
-              <a:rPr lang="en-ID" sz="9600" dirty="0">
-                <a:latin typeface="Times New Roman" panose="02020603050405020304" pitchFamily="18" charset="0"/>
-                <a:cs typeface="Times New Roman" panose="02020603050405020304" pitchFamily="18" charset="0"/>
-              </a:rPr>
-              <a:t> </a:t>
-            </a:r>
-            <a:r>
-              <a:rPr lang="en-ID" sz="9600" dirty="0" err="1">
-                <a:latin typeface="Times New Roman" panose="02020603050405020304" pitchFamily="18" charset="0"/>
-                <a:cs typeface="Times New Roman" panose="02020603050405020304" pitchFamily="18" charset="0"/>
-              </a:rPr>
-              <a:t>Makasasala</a:t>
-            </a:r>
-            <a:endParaRPr lang="en-ID" sz="9600" dirty="0">
+              <a:rPr lang="sv-SE" sz="11500" dirty="0">
+                <a:latin typeface="Times New Roman" panose="02020603050405020304" pitchFamily="18" charset="0"/>
+                <a:cs typeface="Times New Roman" panose="02020603050405020304" pitchFamily="18" charset="0"/>
+              </a:rPr>
+              <a:t>Salamat sa imong gugma </a:t>
+            </a:r>
+            <a:endParaRPr lang="en-ID" sz="11500" dirty="0">
               <a:latin typeface="Times New Roman" panose="02020603050405020304" pitchFamily="18" charset="0"/>
               <a:cs typeface="Times New Roman" panose="02020603050405020304" pitchFamily="18" charset="0"/>
             </a:endParaRPr>
@@ -5232,7 +5112,7 @@
     </p:spTree>
     <p:extLst>
       <p:ext uri="{BB962C8B-B14F-4D97-AF65-F5344CB8AC3E}">
-        <p14:creationId xmlns:p14="http://schemas.microsoft.com/office/powerpoint/2010/main" val="3711935207"/>
+        <p14:creationId xmlns:p14="http://schemas.microsoft.com/office/powerpoint/2010/main" val="514492130"/>
       </p:ext>
     </p:extLst>
   </p:cSld>
@@ -5310,58 +5190,13 @@
           <a:p>
             <a:pPr algn="ctr"/>
             <a:r>
-              <a:rPr lang="en-ID" sz="11500" dirty="0" err="1">
-                <a:latin typeface="Times New Roman" panose="02020603050405020304" pitchFamily="18" charset="0"/>
-                <a:cs typeface="Times New Roman" panose="02020603050405020304" pitchFamily="18" charset="0"/>
-              </a:rPr>
-              <a:t>Pinaagi</a:t>
-            </a:r>
-            <a:r>
-              <a:rPr lang="en-ID" sz="11500" dirty="0">
-                <a:latin typeface="Times New Roman" panose="02020603050405020304" pitchFamily="18" charset="0"/>
-                <a:cs typeface="Times New Roman" panose="02020603050405020304" pitchFamily="18" charset="0"/>
-              </a:rPr>
-              <a:t> Sa </a:t>
-            </a:r>
-            <a:r>
-              <a:rPr lang="en-ID" sz="11500" dirty="0" err="1">
-                <a:latin typeface="Times New Roman" panose="02020603050405020304" pitchFamily="18" charset="0"/>
-                <a:cs typeface="Times New Roman" panose="02020603050405020304" pitchFamily="18" charset="0"/>
-              </a:rPr>
-              <a:t>Imong</a:t>
-            </a:r>
-            <a:r>
-              <a:rPr lang="en-ID" sz="11500" dirty="0">
-                <a:latin typeface="Times New Roman" panose="02020603050405020304" pitchFamily="18" charset="0"/>
-                <a:cs typeface="Times New Roman" panose="02020603050405020304" pitchFamily="18" charset="0"/>
-              </a:rPr>
-              <a:t> </a:t>
-            </a:r>
-            <a:r>
-              <a:rPr lang="en-ID" sz="11500" dirty="0" err="1">
-                <a:latin typeface="Times New Roman" panose="02020603050405020304" pitchFamily="18" charset="0"/>
-                <a:cs typeface="Times New Roman" panose="02020603050405020304" pitchFamily="18" charset="0"/>
-              </a:rPr>
-              <a:t>Pagkabanhaw</a:t>
-            </a:r>
-            <a:r>
-              <a:rPr lang="en-ID" sz="11500" dirty="0">
-                <a:latin typeface="Times New Roman" panose="02020603050405020304" pitchFamily="18" charset="0"/>
-                <a:cs typeface="Times New Roman" panose="02020603050405020304" pitchFamily="18" charset="0"/>
-              </a:rPr>
-              <a:t>.</a:t>
-            </a:r>
-          </a:p>
-          <a:p>
-            <a:pPr algn="ctr"/>
-            <a:r>
-              <a:rPr lang="sv-SE" sz="11500" dirty="0">
-                <a:latin typeface="Times New Roman" panose="02020603050405020304" pitchFamily="18" charset="0"/>
-                <a:cs typeface="Times New Roman" panose="02020603050405020304" pitchFamily="18" charset="0"/>
-              </a:rPr>
-              <a:t>Salamat sa imong gugma </a:t>
-            </a:r>
-            <a:endParaRPr lang="en-ID" sz="11500" dirty="0">
+              <a:rPr lang="sv-SE" sz="12000" dirty="0">
+                <a:latin typeface="Times New Roman" panose="02020603050405020304" pitchFamily="18" charset="0"/>
+                <a:cs typeface="Times New Roman" panose="02020603050405020304" pitchFamily="18" charset="0"/>
+              </a:rPr>
+              <a:t>Sa Kasing-kasing Patuhupa Ipaambit Ta Sa Kalibutan</a:t>
+            </a:r>
+            <a:endParaRPr lang="en-ID" sz="12000" dirty="0">
               <a:latin typeface="Times New Roman" panose="02020603050405020304" pitchFamily="18" charset="0"/>
               <a:cs typeface="Times New Roman" panose="02020603050405020304" pitchFamily="18" charset="0"/>
             </a:endParaRPr>
@@ -5371,7 +5206,7 @@
     </p:spTree>
     <p:extLst>
       <p:ext uri="{BB962C8B-B14F-4D97-AF65-F5344CB8AC3E}">
-        <p14:creationId xmlns:p14="http://schemas.microsoft.com/office/powerpoint/2010/main" val="514492130"/>
+        <p14:creationId xmlns:p14="http://schemas.microsoft.com/office/powerpoint/2010/main" val="3066927214"/>
       </p:ext>
     </p:extLst>
   </p:cSld>
@@ -5449,13 +5284,83 @@
           <a:p>
             <a:pPr algn="ctr"/>
             <a:r>
-              <a:rPr lang="sv-SE" sz="12000" dirty="0">
-                <a:latin typeface="Times New Roman" panose="02020603050405020304" pitchFamily="18" charset="0"/>
-                <a:cs typeface="Times New Roman" panose="02020603050405020304" pitchFamily="18" charset="0"/>
-              </a:rPr>
-              <a:t>Sa Kasing-kasing Patuhupa Ipaambit Ta Sa Kalibutan</a:t>
-            </a:r>
-            <a:endParaRPr lang="en-ID" sz="12000" dirty="0">
+              <a:rPr lang="en-ID" sz="11500" dirty="0" err="1">
+                <a:latin typeface="Times New Roman" panose="02020603050405020304" pitchFamily="18" charset="0"/>
+                <a:cs typeface="Times New Roman" panose="02020603050405020304" pitchFamily="18" charset="0"/>
+              </a:rPr>
+              <a:t>Maghigugmaay</a:t>
+            </a:r>
+            <a:r>
+              <a:rPr lang="en-ID" sz="11500" dirty="0">
+                <a:latin typeface="Times New Roman" panose="02020603050405020304" pitchFamily="18" charset="0"/>
+                <a:cs typeface="Times New Roman" panose="02020603050405020304" pitchFamily="18" charset="0"/>
+              </a:rPr>
+              <a:t> </a:t>
+            </a:r>
+            <a:r>
+              <a:rPr lang="en-ID" sz="11500" dirty="0" err="1">
+                <a:latin typeface="Times New Roman" panose="02020603050405020304" pitchFamily="18" charset="0"/>
+                <a:cs typeface="Times New Roman" panose="02020603050405020304" pitchFamily="18" charset="0"/>
+              </a:rPr>
+              <a:t>Kitang</a:t>
+            </a:r>
+            <a:r>
+              <a:rPr lang="en-ID" sz="11500" dirty="0">
+                <a:latin typeface="Times New Roman" panose="02020603050405020304" pitchFamily="18" charset="0"/>
+                <a:cs typeface="Times New Roman" panose="02020603050405020304" pitchFamily="18" charset="0"/>
+              </a:rPr>
+              <a:t> </a:t>
+            </a:r>
+            <a:r>
+              <a:rPr lang="en-ID" sz="11500" dirty="0" err="1">
+                <a:latin typeface="Times New Roman" panose="02020603050405020304" pitchFamily="18" charset="0"/>
+                <a:cs typeface="Times New Roman" panose="02020603050405020304" pitchFamily="18" charset="0"/>
+              </a:rPr>
+              <a:t>Tanan</a:t>
+            </a:r>
+            <a:r>
+              <a:rPr lang="en-ID" sz="11500" dirty="0">
+                <a:latin typeface="Times New Roman" panose="02020603050405020304" pitchFamily="18" charset="0"/>
+                <a:cs typeface="Times New Roman" panose="02020603050405020304" pitchFamily="18" charset="0"/>
+              </a:rPr>
+              <a:t>, </a:t>
+            </a:r>
+            <a:r>
+              <a:rPr lang="en-ID" sz="11500" dirty="0" err="1">
+                <a:latin typeface="Times New Roman" panose="02020603050405020304" pitchFamily="18" charset="0"/>
+                <a:cs typeface="Times New Roman" panose="02020603050405020304" pitchFamily="18" charset="0"/>
+              </a:rPr>
+              <a:t>Imong</a:t>
+            </a:r>
+            <a:r>
+              <a:rPr lang="en-ID" sz="11500" dirty="0">
+                <a:latin typeface="Times New Roman" panose="02020603050405020304" pitchFamily="18" charset="0"/>
+                <a:cs typeface="Times New Roman" panose="02020603050405020304" pitchFamily="18" charset="0"/>
+              </a:rPr>
+              <a:t> </a:t>
+            </a:r>
+            <a:r>
+              <a:rPr lang="en-ID" sz="11500" dirty="0" err="1">
+                <a:latin typeface="Times New Roman" panose="02020603050405020304" pitchFamily="18" charset="0"/>
+                <a:cs typeface="Times New Roman" panose="02020603050405020304" pitchFamily="18" charset="0"/>
+              </a:rPr>
+              <a:t>Gihiusa</a:t>
+            </a:r>
+            <a:r>
+              <a:rPr lang="en-ID" sz="11500" dirty="0">
+                <a:latin typeface="Times New Roman" panose="02020603050405020304" pitchFamily="18" charset="0"/>
+                <a:cs typeface="Times New Roman" panose="02020603050405020304" pitchFamily="18" charset="0"/>
+              </a:rPr>
+              <a:t> Ang </a:t>
+            </a:r>
+            <a:r>
+              <a:rPr lang="en-ID" sz="11500" dirty="0" err="1">
+                <a:latin typeface="Times New Roman" panose="02020603050405020304" pitchFamily="18" charset="0"/>
+                <a:cs typeface="Times New Roman" panose="02020603050405020304" pitchFamily="18" charset="0"/>
+              </a:rPr>
+              <a:t>Kalibutan</a:t>
+            </a:r>
+            <a:endParaRPr lang="en-ID" sz="11500" dirty="0">
               <a:latin typeface="Times New Roman" panose="02020603050405020304" pitchFamily="18" charset="0"/>
               <a:cs typeface="Times New Roman" panose="02020603050405020304" pitchFamily="18" charset="0"/>
             </a:endParaRPr>
@@ -5465,7 +5370,7 @@
     </p:spTree>
     <p:extLst>
       <p:ext uri="{BB962C8B-B14F-4D97-AF65-F5344CB8AC3E}">
-        <p14:creationId xmlns:p14="http://schemas.microsoft.com/office/powerpoint/2010/main" val="3066927214"/>
+        <p14:creationId xmlns:p14="http://schemas.microsoft.com/office/powerpoint/2010/main" val="3829664489"/>
       </p:ext>
     </p:extLst>
   </p:cSld>
